--- a/resume-templates/template1/template1.pptx
+++ b/resume-templates/template1/template1.pptx
@@ -8,7 +8,7 @@
     <p:notesMasterId r:id="rId3"/>
   </p:notesMasterIdLst>
   <p:sldIdLst>
-    <p:sldId id="260" r:id="rId2"/>
+    <p:sldId id="256" r:id="rId2"/>
   </p:sldIdLst>
   <p:sldSz cx="7874000" cy="11137900"/>
   <p:notesSz cx="6858000" cy="9144000"/>
@@ -471,6 +471,415 @@
 
 <file path=ppt/slideLayouts/slideLayout1.xml><?xml version="1.0" encoding="utf-8"?>
 <p:sldLayout xmlns:a="http://schemas.openxmlformats.org/drawingml/2006/main" xmlns:r="http://schemas.openxmlformats.org/officeDocument/2006/relationships" xmlns:p="http://schemas.openxmlformats.org/presentationml/2006/main" type="tx">
+  <p:cSld name="Заголовок и объект">
+    <p:spTree>
+      <p:nvGrpSpPr>
+        <p:cNvPr id="1" name=""/>
+        <p:cNvGrpSpPr/>
+        <p:nvPr/>
+      </p:nvGrpSpPr>
+      <p:grpSpPr>
+        <a:xfrm>
+          <a:off x="0" y="0"/>
+          <a:ext cx="0" cy="0"/>
+          <a:chOff x="0" y="0"/>
+          <a:chExt cx="0" cy="0"/>
+        </a:xfrm>
+      </p:grpSpPr>
+      <p:sp>
+        <p:nvSpPr>
+          <p:cNvPr id="20" name="Title Text"/>
+          <p:cNvSpPr txBox="1">
+            <a:spLocks noGrp="1"/>
+          </p:cNvSpPr>
+          <p:nvPr>
+            <p:ph type="title"/>
+          </p:nvPr>
+        </p:nvSpPr>
+        <p:spPr>
+          <a:prstGeom prst="rect">
+            <a:avLst/>
+          </a:prstGeom>
+        </p:spPr>
+        <p:txBody>
+          <a:bodyPr/>
+          <a:lstStyle/>
+          <a:p>
+            <a:r>
+              <a:t>Title Text</a:t>
+            </a:r>
+          </a:p>
+        </p:txBody>
+      </p:sp>
+      <p:sp>
+        <p:nvSpPr>
+          <p:cNvPr id="21" name="Body Level One…"/>
+          <p:cNvSpPr txBox="1">
+            <a:spLocks noGrp="1"/>
+          </p:cNvSpPr>
+          <p:nvPr>
+            <p:ph type="body" idx="1"/>
+          </p:nvPr>
+        </p:nvSpPr>
+        <p:spPr>
+          <a:prstGeom prst="rect">
+            <a:avLst/>
+          </a:prstGeom>
+        </p:spPr>
+        <p:txBody>
+          <a:bodyPr/>
+          <a:lstStyle/>
+          <a:p>
+            <a:r>
+              <a:t>Body Level One</a:t>
+            </a:r>
+          </a:p>
+          <a:p>
+            <a:pPr lvl="1"/>
+            <a:r>
+              <a:t>Body Level Two</a:t>
+            </a:r>
+          </a:p>
+          <a:p>
+            <a:pPr lvl="2"/>
+            <a:r>
+              <a:t>Body Level Three</a:t>
+            </a:r>
+          </a:p>
+          <a:p>
+            <a:pPr lvl="3"/>
+            <a:r>
+              <a:t>Body Level Four</a:t>
+            </a:r>
+          </a:p>
+          <a:p>
+            <a:pPr lvl="4"/>
+            <a:r>
+              <a:t>Body Level Five</a:t>
+            </a:r>
+          </a:p>
+        </p:txBody>
+      </p:sp>
+      <p:sp>
+        <p:nvSpPr>
+          <p:cNvPr id="22" name="01"/>
+          <p:cNvSpPr txBox="1">
+            <a:spLocks noGrp="1"/>
+          </p:cNvSpPr>
+          <p:nvPr>
+            <p:ph type="sldNum" sz="quarter" idx="2"/>
+          </p:nvPr>
+        </p:nvSpPr>
+        <p:spPr>
+          <a:prstGeom prst="rect">
+            <a:avLst/>
+          </a:prstGeom>
+        </p:spPr>
+        <p:txBody>
+          <a:bodyPr/>
+          <a:lstStyle/>
+          <a:p>
+            <a:fld id="{86CB4B4D-7CA3-9044-876B-883B54F8677D}" type="slidenum">
+              <a:t>‹#›</a:t>
+            </a:fld>
+            <a:endParaRPr/>
+          </a:p>
+        </p:txBody>
+      </p:sp>
+    </p:spTree>
+  </p:cSld>
+  <p:clrMapOvr>
+    <a:masterClrMapping/>
+  </p:clrMapOvr>
+  <p:transition spd="med"/>
+</p:sldLayout>
+</file>
+
+<file path=ppt/slideLayouts/slideLayout10.xml><?xml version="1.0" encoding="utf-8"?>
+<p:sldLayout xmlns:a="http://schemas.openxmlformats.org/drawingml/2006/main" xmlns:r="http://schemas.openxmlformats.org/officeDocument/2006/relationships" xmlns:p="http://schemas.openxmlformats.org/presentationml/2006/main" type="tx">
+  <p:cSld name="Заголовок и пункты">
+    <p:spTree>
+      <p:nvGrpSpPr>
+        <p:cNvPr id="1" name=""/>
+        <p:cNvGrpSpPr/>
+        <p:nvPr/>
+      </p:nvGrpSpPr>
+      <p:grpSpPr>
+        <a:xfrm>
+          <a:off x="0" y="0"/>
+          <a:ext cx="0" cy="0"/>
+          <a:chOff x="0" y="0"/>
+          <a:chExt cx="0" cy="0"/>
+        </a:xfrm>
+      </p:grpSpPr>
+      <p:sp>
+        <p:nvSpPr>
+          <p:cNvPr id="102" name="Body Level One…"/>
+          <p:cNvSpPr txBox="1">
+            <a:spLocks noGrp="1"/>
+          </p:cNvSpPr>
+          <p:nvPr>
+            <p:ph type="body" sz="quarter" idx="1" hasCustomPrompt="1"/>
+          </p:nvPr>
+        </p:nvSpPr>
+        <p:spPr>
+          <a:xfrm>
+            <a:off x="1301439" y="4698119"/>
+            <a:ext cx="5271122" cy="2768204"/>
+          </a:xfrm>
+          <a:prstGeom prst="rect">
+            <a:avLst/>
+          </a:prstGeom>
+        </p:spPr>
+        <p:txBody>
+          <a:bodyPr lIns="23068" tIns="23068" rIns="23068" bIns="23068"/>
+          <a:lstStyle>
+            <a:lvl1pPr marL="190500" indent="-190500" defTabSz="1980021">
+              <a:lnSpc>
+                <a:spcPct val="110000"/>
+              </a:lnSpc>
+              <a:spcBef>
+                <a:spcPts val="3600"/>
+              </a:spcBef>
+              <a:buSzPct val="123000"/>
+              <a:buFontTx/>
+              <a:defRPr sz="1500">
+                <a:latin typeface="+mn-lt"/>
+                <a:ea typeface="+mn-ea"/>
+                <a:cs typeface="+mn-cs"/>
+                <a:sym typeface="Helvetica"/>
+              </a:defRPr>
+            </a:lvl1pPr>
+            <a:lvl2pPr marL="571500" indent="-190500" defTabSz="1980021">
+              <a:lnSpc>
+                <a:spcPct val="110000"/>
+              </a:lnSpc>
+              <a:spcBef>
+                <a:spcPts val="3600"/>
+              </a:spcBef>
+              <a:buSzPct val="123000"/>
+              <a:buFontTx/>
+              <a:defRPr sz="1500">
+                <a:latin typeface="+mn-lt"/>
+                <a:ea typeface="+mn-ea"/>
+                <a:cs typeface="+mn-cs"/>
+                <a:sym typeface="Helvetica"/>
+              </a:defRPr>
+            </a:lvl2pPr>
+            <a:lvl3pPr marL="952500" indent="-190500" defTabSz="1980021">
+              <a:lnSpc>
+                <a:spcPct val="110000"/>
+              </a:lnSpc>
+              <a:spcBef>
+                <a:spcPts val="3600"/>
+              </a:spcBef>
+              <a:buSzPct val="123000"/>
+              <a:buFontTx/>
+              <a:defRPr sz="1500">
+                <a:latin typeface="+mn-lt"/>
+                <a:ea typeface="+mn-ea"/>
+                <a:cs typeface="+mn-cs"/>
+                <a:sym typeface="Helvetica"/>
+              </a:defRPr>
+            </a:lvl3pPr>
+            <a:lvl4pPr marL="1333500" indent="-190500" defTabSz="1980021">
+              <a:lnSpc>
+                <a:spcPct val="110000"/>
+              </a:lnSpc>
+              <a:spcBef>
+                <a:spcPts val="3600"/>
+              </a:spcBef>
+              <a:buSzPct val="123000"/>
+              <a:buFontTx/>
+              <a:defRPr sz="1500">
+                <a:latin typeface="+mn-lt"/>
+                <a:ea typeface="+mn-ea"/>
+                <a:cs typeface="+mn-cs"/>
+                <a:sym typeface="Helvetica"/>
+              </a:defRPr>
+            </a:lvl4pPr>
+            <a:lvl5pPr marL="1714500" indent="-190500" defTabSz="1980021">
+              <a:lnSpc>
+                <a:spcPct val="110000"/>
+              </a:lnSpc>
+              <a:spcBef>
+                <a:spcPts val="3600"/>
+              </a:spcBef>
+              <a:buSzPct val="123000"/>
+              <a:buFontTx/>
+              <a:defRPr sz="1500">
+                <a:latin typeface="+mn-lt"/>
+                <a:ea typeface="+mn-ea"/>
+                <a:cs typeface="+mn-cs"/>
+                <a:sym typeface="Helvetica"/>
+              </a:defRPr>
+            </a:lvl5pPr>
+          </a:lstStyle>
+          <a:p>
+            <a:r>
+              <a:t>Текст пункта на слайде</a:t>
+            </a:r>
+          </a:p>
+          <a:p>
+            <a:pPr lvl="1"/>
+            <a:endParaRPr/>
+          </a:p>
+          <a:p>
+            <a:pPr lvl="2"/>
+            <a:endParaRPr/>
+          </a:p>
+          <a:p>
+            <a:pPr lvl="3"/>
+            <a:endParaRPr/>
+          </a:p>
+          <a:p>
+            <a:pPr lvl="4"/>
+            <a:endParaRPr/>
+          </a:p>
+        </p:txBody>
+      </p:sp>
+      <p:sp>
+        <p:nvSpPr>
+          <p:cNvPr id="103" name="Подзаголовок слайда"/>
+          <p:cNvSpPr txBox="1">
+            <a:spLocks noGrp="1"/>
+          </p:cNvSpPr>
+          <p:nvPr>
+            <p:ph type="body" sz="quarter" idx="21" hasCustomPrompt="1"/>
+          </p:nvPr>
+        </p:nvSpPr>
+        <p:spPr>
+          <a:xfrm>
+            <a:off x="1301439" y="3996022"/>
+            <a:ext cx="5271122" cy="305067"/>
+          </a:xfrm>
+          <a:prstGeom prst="rect">
+            <a:avLst/>
+          </a:prstGeom>
+          <a:ln w="3175"/>
+        </p:spPr>
+        <p:txBody>
+          <a:bodyPr lIns="23068" tIns="23068" rIns="23068" bIns="23068"/>
+          <a:lstStyle>
+            <a:lvl1pPr marL="0" indent="0" defTabSz="315058">
+              <a:lnSpc>
+                <a:spcPct val="100000"/>
+              </a:lnSpc>
+              <a:spcBef>
+                <a:spcPts val="0"/>
+              </a:spcBef>
+              <a:buSzTx/>
+              <a:buFontTx/>
+              <a:buNone/>
+              <a:defRPr sz="1692" b="1">
+                <a:latin typeface="Helvetica Neue"/>
+                <a:ea typeface="Helvetica Neue"/>
+                <a:cs typeface="Helvetica Neue"/>
+                <a:sym typeface="Helvetica Neue"/>
+              </a:defRPr>
+            </a:lvl1pPr>
+          </a:lstStyle>
+          <a:p>
+            <a:r>
+              <a:t>Подзаголовок слайда</a:t>
+            </a:r>
+          </a:p>
+        </p:txBody>
+      </p:sp>
+      <p:sp>
+        <p:nvSpPr>
+          <p:cNvPr id="104" name="Заголовок слайда"/>
+          <p:cNvSpPr txBox="1">
+            <a:spLocks noGrp="1"/>
+          </p:cNvSpPr>
+          <p:nvPr>
+            <p:ph type="title" hasCustomPrompt="1"/>
+          </p:nvPr>
+        </p:nvSpPr>
+        <p:spPr>
+          <a:xfrm>
+            <a:off x="1301439" y="3554313"/>
+            <a:ext cx="5271122" cy="461368"/>
+          </a:xfrm>
+          <a:prstGeom prst="rect">
+            <a:avLst/>
+          </a:prstGeom>
+        </p:spPr>
+        <p:txBody>
+          <a:bodyPr lIns="23068" tIns="23068" rIns="23068" bIns="23068" anchor="t"/>
+          <a:lstStyle>
+            <a:lvl1pPr defTabSz="1980021">
+              <a:lnSpc>
+                <a:spcPct val="80000"/>
+              </a:lnSpc>
+              <a:defRPr sz="6200" b="1" spc="-124">
+                <a:latin typeface="Helvetica Neue"/>
+                <a:ea typeface="Helvetica Neue"/>
+                <a:cs typeface="Helvetica Neue"/>
+                <a:sym typeface="Helvetica Neue"/>
+              </a:defRPr>
+            </a:lvl1pPr>
+          </a:lstStyle>
+          <a:p>
+            <a:r>
+              <a:t>Заголовок слайда</a:t>
+            </a:r>
+          </a:p>
+        </p:txBody>
+      </p:sp>
+      <p:sp>
+        <p:nvSpPr>
+          <p:cNvPr id="105" name="01"/>
+          <p:cNvSpPr txBox="1">
+            <a:spLocks noGrp="1"/>
+          </p:cNvSpPr>
+          <p:nvPr>
+            <p:ph type="sldNum" sz="quarter" idx="2"/>
+          </p:nvPr>
+        </p:nvSpPr>
+        <p:spPr>
+          <a:xfrm>
+            <a:off x="3821309" y="7452169"/>
+            <a:ext cx="228306" cy="219670"/>
+          </a:xfrm>
+          <a:prstGeom prst="rect">
+            <a:avLst/>
+          </a:prstGeom>
+        </p:spPr>
+        <p:txBody>
+          <a:bodyPr lIns="23068" tIns="23068" rIns="23068" bIns="23068" anchor="b"/>
+          <a:lstStyle>
+            <a:lvl1pPr algn="ctr" defTabSz="667113">
+              <a:defRPr sz="1200">
+                <a:solidFill>
+                  <a:srgbClr val="000000"/>
+                </a:solidFill>
+                <a:latin typeface="Helvetica Neue"/>
+                <a:ea typeface="Helvetica Neue"/>
+                <a:cs typeface="Helvetica Neue"/>
+                <a:sym typeface="Helvetica Neue"/>
+              </a:defRPr>
+            </a:lvl1pPr>
+          </a:lstStyle>
+          <a:p>
+            <a:fld id="{86CB4B4D-7CA3-9044-876B-883B54F8677D}" type="slidenum">
+              <a:t>‹#›</a:t>
+            </a:fld>
+            <a:endParaRPr/>
+          </a:p>
+        </p:txBody>
+      </p:sp>
+    </p:spTree>
+  </p:cSld>
+  <p:clrMapOvr>
+    <a:masterClrMapping/>
+  </p:clrMapOvr>
+  <p:transition spd="med"/>
+</p:sldLayout>
+</file>
+
+<file path=ppt/slideLayouts/slideLayout2.xml><?xml version="1.0" encoding="utf-8"?>
+<p:sldLayout xmlns:a="http://schemas.openxmlformats.org/drawingml/2006/main" xmlns:r="http://schemas.openxmlformats.org/officeDocument/2006/relationships" xmlns:p="http://schemas.openxmlformats.org/presentationml/2006/main" type="tx">
   <p:cSld name="Заголовок раздела">
     <p:spTree>
       <p:nvGrpSpPr>
@@ -488,7 +897,7 @@
       </p:grpSpPr>
       <p:sp>
         <p:nvSpPr>
-          <p:cNvPr id="29" name="Текст заголовка"/>
+          <p:cNvPr id="29" name="Title Text"/>
           <p:cNvSpPr txBox="1">
             <a:spLocks noGrp="1"/>
           </p:cNvSpPr>
@@ -514,14 +923,14 @@
           </a:lstStyle>
           <a:p>
             <a:r>
-              <a:t>Текст заголовка</a:t>
+              <a:t>Title Text</a:t>
             </a:r>
           </a:p>
         </p:txBody>
       </p:sp>
       <p:sp>
         <p:nvSpPr>
-          <p:cNvPr id="30" name="Уровень текста 1…"/>
+          <p:cNvPr id="30" name="Body Level One…"/>
           <p:cNvSpPr txBox="1">
             <a:spLocks noGrp="1"/>
           </p:cNvSpPr>
@@ -574,38 +983,38 @@
           </a:lstStyle>
           <a:p>
             <a:r>
-              <a:t>Уровень текста 1</a:t>
+              <a:t>Body Level One</a:t>
             </a:r>
           </a:p>
           <a:p>
             <a:pPr lvl="1"/>
             <a:r>
-              <a:t>Уровень текста 2</a:t>
+              <a:t>Body Level Two</a:t>
             </a:r>
           </a:p>
           <a:p>
             <a:pPr lvl="2"/>
             <a:r>
-              <a:t>Уровень текста 3</a:t>
+              <a:t>Body Level Three</a:t>
             </a:r>
           </a:p>
           <a:p>
             <a:pPr lvl="3"/>
             <a:r>
-              <a:t>Уровень текста 4</a:t>
+              <a:t>Body Level Four</a:t>
             </a:r>
           </a:p>
           <a:p>
             <a:pPr lvl="4"/>
             <a:r>
-              <a:t>Уровень текста 5</a:t>
+              <a:t>Body Level Five</a:t>
             </a:r>
           </a:p>
         </p:txBody>
       </p:sp>
       <p:sp>
         <p:nvSpPr>
-          <p:cNvPr id="31" name="Номер слайда"/>
+          <p:cNvPr id="31" name="01"/>
           <p:cNvSpPr txBox="1">
             <a:spLocks noGrp="1"/>
           </p:cNvSpPr>
@@ -638,7 +1047,7 @@
 </p:sldLayout>
 </file>
 
-<file path=ppt/slideLayouts/slideLayout2.xml><?xml version="1.0" encoding="utf-8"?>
+<file path=ppt/slideLayouts/slideLayout3.xml><?xml version="1.0" encoding="utf-8"?>
 <p:sldLayout xmlns:a="http://schemas.openxmlformats.org/drawingml/2006/main" xmlns:r="http://schemas.openxmlformats.org/officeDocument/2006/relationships" xmlns:p="http://schemas.openxmlformats.org/presentationml/2006/main" type="tx">
   <p:cSld name="Два объекта">
     <p:spTree>
@@ -657,7 +1066,7 @@
       </p:grpSpPr>
       <p:sp>
         <p:nvSpPr>
-          <p:cNvPr id="38" name="Текст заголовка"/>
+          <p:cNvPr id="38" name="Title Text"/>
           <p:cNvSpPr txBox="1">
             <a:spLocks noGrp="1"/>
           </p:cNvSpPr>
@@ -675,14 +1084,14 @@
           <a:lstStyle/>
           <a:p>
             <a:r>
-              <a:t>Текст заголовка</a:t>
+              <a:t>Title Text</a:t>
             </a:r>
           </a:p>
         </p:txBody>
       </p:sp>
       <p:sp>
         <p:nvSpPr>
-          <p:cNvPr id="39" name="Уровень текста 1…"/>
+          <p:cNvPr id="39" name="Body Level One…"/>
           <p:cNvSpPr txBox="1">
             <a:spLocks noGrp="1"/>
           </p:cNvSpPr>
@@ -704,38 +1113,38 @@
           <a:lstStyle/>
           <a:p>
             <a:r>
-              <a:t>Уровень текста 1</a:t>
+              <a:t>Body Level One</a:t>
             </a:r>
           </a:p>
           <a:p>
             <a:pPr lvl="1"/>
             <a:r>
-              <a:t>Уровень текста 2</a:t>
+              <a:t>Body Level Two</a:t>
             </a:r>
           </a:p>
           <a:p>
             <a:pPr lvl="2"/>
             <a:r>
-              <a:t>Уровень текста 3</a:t>
+              <a:t>Body Level Three</a:t>
             </a:r>
           </a:p>
           <a:p>
             <a:pPr lvl="3"/>
             <a:r>
-              <a:t>Уровень текста 4</a:t>
+              <a:t>Body Level Four</a:t>
             </a:r>
           </a:p>
           <a:p>
             <a:pPr lvl="4"/>
             <a:r>
-              <a:t>Уровень текста 5</a:t>
+              <a:t>Body Level Five</a:t>
             </a:r>
           </a:p>
         </p:txBody>
       </p:sp>
       <p:sp>
         <p:nvSpPr>
-          <p:cNvPr id="40" name="Номер слайда"/>
+          <p:cNvPr id="40" name="01"/>
           <p:cNvSpPr txBox="1">
             <a:spLocks noGrp="1"/>
           </p:cNvSpPr>
@@ -768,7 +1177,7 @@
 </p:sldLayout>
 </file>
 
-<file path=ppt/slideLayouts/slideLayout3.xml><?xml version="1.0" encoding="utf-8"?>
+<file path=ppt/slideLayouts/slideLayout4.xml><?xml version="1.0" encoding="utf-8"?>
 <p:sldLayout xmlns:a="http://schemas.openxmlformats.org/drawingml/2006/main" xmlns:r="http://schemas.openxmlformats.org/officeDocument/2006/relationships" xmlns:p="http://schemas.openxmlformats.org/presentationml/2006/main" type="tx">
   <p:cSld name="Сравнение">
     <p:spTree>
@@ -787,7 +1196,7 @@
       </p:grpSpPr>
       <p:sp>
         <p:nvSpPr>
-          <p:cNvPr id="47" name="Текст заголовка"/>
+          <p:cNvPr id="47" name="Title Text"/>
           <p:cNvSpPr txBox="1">
             <a:spLocks noGrp="1"/>
           </p:cNvSpPr>
@@ -809,14 +1218,14 @@
           <a:lstStyle/>
           <a:p>
             <a:r>
-              <a:t>Текст заголовка</a:t>
+              <a:t>Title Text</a:t>
             </a:r>
           </a:p>
         </p:txBody>
       </p:sp>
       <p:sp>
         <p:nvSpPr>
-          <p:cNvPr id="48" name="Уровень текста 1…"/>
+          <p:cNvPr id="48" name="Body Level One…"/>
           <p:cNvSpPr txBox="1">
             <a:spLocks noGrp="1"/>
           </p:cNvSpPr>
@@ -869,31 +1278,31 @@
           </a:lstStyle>
           <a:p>
             <a:r>
-              <a:t>Уровень текста 1</a:t>
+              <a:t>Body Level One</a:t>
             </a:r>
           </a:p>
           <a:p>
             <a:pPr lvl="1"/>
             <a:r>
-              <a:t>Уровень текста 2</a:t>
+              <a:t>Body Level Two</a:t>
             </a:r>
           </a:p>
           <a:p>
             <a:pPr lvl="2"/>
             <a:r>
-              <a:t>Уровень текста 3</a:t>
+              <a:t>Body Level Three</a:t>
             </a:r>
           </a:p>
           <a:p>
             <a:pPr lvl="3"/>
             <a:r>
-              <a:t>Уровень текста 4</a:t>
+              <a:t>Body Level Four</a:t>
             </a:r>
           </a:p>
           <a:p>
             <a:pPr lvl="4"/>
             <a:r>
-              <a:t>Уровень текста 5</a:t>
+              <a:t>Body Level Five</a:t>
             </a:r>
           </a:p>
         </p:txBody>
@@ -933,7 +1342,7 @@
       </p:sp>
       <p:sp>
         <p:nvSpPr>
-          <p:cNvPr id="50" name="Номер слайда"/>
+          <p:cNvPr id="50" name="01"/>
           <p:cNvSpPr txBox="1">
             <a:spLocks noGrp="1"/>
           </p:cNvSpPr>
@@ -966,7 +1375,7 @@
 </p:sldLayout>
 </file>
 
-<file path=ppt/slideLayouts/slideLayout4.xml><?xml version="1.0" encoding="utf-8"?>
+<file path=ppt/slideLayouts/slideLayout5.xml><?xml version="1.0" encoding="utf-8"?>
 <p:sldLayout xmlns:a="http://schemas.openxmlformats.org/drawingml/2006/main" xmlns:r="http://schemas.openxmlformats.org/officeDocument/2006/relationships" xmlns:p="http://schemas.openxmlformats.org/presentationml/2006/main" type="tx">
   <p:cSld name="Только заголовок">
     <p:spTree>
@@ -985,7 +1394,7 @@
       </p:grpSpPr>
       <p:sp>
         <p:nvSpPr>
-          <p:cNvPr id="57" name="Текст заголовка"/>
+          <p:cNvPr id="57" name="Title Text"/>
           <p:cNvSpPr txBox="1">
             <a:spLocks noGrp="1"/>
           </p:cNvSpPr>
@@ -1003,14 +1412,14 @@
           <a:lstStyle/>
           <a:p>
             <a:r>
-              <a:t>Текст заголовка</a:t>
+              <a:t>Title Text</a:t>
             </a:r>
           </a:p>
         </p:txBody>
       </p:sp>
       <p:sp>
         <p:nvSpPr>
-          <p:cNvPr id="58" name="Номер слайда"/>
+          <p:cNvPr id="58" name="01"/>
           <p:cNvSpPr txBox="1">
             <a:spLocks noGrp="1"/>
           </p:cNvSpPr>
@@ -1043,7 +1452,7 @@
 </p:sldLayout>
 </file>
 
-<file path=ppt/slideLayouts/slideLayout5.xml><?xml version="1.0" encoding="utf-8"?>
+<file path=ppt/slideLayouts/slideLayout6.xml><?xml version="1.0" encoding="utf-8"?>
 <p:sldLayout xmlns:a="http://schemas.openxmlformats.org/drawingml/2006/main" xmlns:r="http://schemas.openxmlformats.org/officeDocument/2006/relationships" xmlns:p="http://schemas.openxmlformats.org/presentationml/2006/main" type="tx">
   <p:cSld name="Пустой слайд">
     <p:spTree>
@@ -1062,7 +1471,7 @@
       </p:grpSpPr>
       <p:sp>
         <p:nvSpPr>
-          <p:cNvPr id="65" name="Номер слайда"/>
+          <p:cNvPr id="65" name="01"/>
           <p:cNvSpPr txBox="1">
             <a:spLocks noGrp="1"/>
           </p:cNvSpPr>
@@ -1095,7 +1504,7 @@
 </p:sldLayout>
 </file>
 
-<file path=ppt/slideLayouts/slideLayout6.xml><?xml version="1.0" encoding="utf-8"?>
+<file path=ppt/slideLayouts/slideLayout7.xml><?xml version="1.0" encoding="utf-8"?>
 <p:sldLayout xmlns:a="http://schemas.openxmlformats.org/drawingml/2006/main" xmlns:r="http://schemas.openxmlformats.org/officeDocument/2006/relationships" xmlns:p="http://schemas.openxmlformats.org/presentationml/2006/main" type="tx">
   <p:cSld name="Объект с подписью">
     <p:spTree>
@@ -1114,7 +1523,7 @@
       </p:grpSpPr>
       <p:sp>
         <p:nvSpPr>
-          <p:cNvPr id="72" name="Текст заголовка"/>
+          <p:cNvPr id="72" name="Title Text"/>
           <p:cNvSpPr txBox="1">
             <a:spLocks noGrp="1"/>
           </p:cNvSpPr>
@@ -1140,14 +1549,14 @@
           </a:lstStyle>
           <a:p>
             <a:r>
-              <a:t>Текст заголовка</a:t>
+              <a:t>Title Text</a:t>
             </a:r>
           </a:p>
         </p:txBody>
       </p:sp>
       <p:sp>
         <p:nvSpPr>
-          <p:cNvPr id="73" name="Уровень текста 1…"/>
+          <p:cNvPr id="73" name="Body Level One…"/>
           <p:cNvSpPr txBox="1">
             <a:spLocks noGrp="1"/>
           </p:cNvSpPr>
@@ -1185,31 +1594,31 @@
           </a:lstStyle>
           <a:p>
             <a:r>
-              <a:t>Уровень текста 1</a:t>
+              <a:t>Body Level One</a:t>
             </a:r>
           </a:p>
           <a:p>
             <a:pPr lvl="1"/>
             <a:r>
-              <a:t>Уровень текста 2</a:t>
+              <a:t>Body Level Two</a:t>
             </a:r>
           </a:p>
           <a:p>
             <a:pPr lvl="2"/>
             <a:r>
-              <a:t>Уровень текста 3</a:t>
+              <a:t>Body Level Three</a:t>
             </a:r>
           </a:p>
           <a:p>
             <a:pPr lvl="3"/>
             <a:r>
-              <a:t>Уровень текста 4</a:t>
+              <a:t>Body Level Four</a:t>
             </a:r>
           </a:p>
           <a:p>
             <a:pPr lvl="4"/>
             <a:r>
-              <a:t>Уровень текста 5</a:t>
+              <a:t>Body Level Five</a:t>
             </a:r>
           </a:p>
         </p:txBody>
@@ -1249,7 +1658,7 @@
       </p:sp>
       <p:sp>
         <p:nvSpPr>
-          <p:cNvPr id="75" name="Номер слайда"/>
+          <p:cNvPr id="75" name="01"/>
           <p:cNvSpPr txBox="1">
             <a:spLocks noGrp="1"/>
           </p:cNvSpPr>
@@ -1282,7 +1691,7 @@
 </p:sldLayout>
 </file>
 
-<file path=ppt/slideLayouts/slideLayout7.xml><?xml version="1.0" encoding="utf-8"?>
+<file path=ppt/slideLayouts/slideLayout8.xml><?xml version="1.0" encoding="utf-8"?>
 <p:sldLayout xmlns:a="http://schemas.openxmlformats.org/drawingml/2006/main" xmlns:r="http://schemas.openxmlformats.org/officeDocument/2006/relationships" xmlns:p="http://schemas.openxmlformats.org/presentationml/2006/main" type="tx">
   <p:cSld name="Рисунок с подписью">
     <p:spTree>
@@ -1301,7 +1710,7 @@
       </p:grpSpPr>
       <p:sp>
         <p:nvSpPr>
-          <p:cNvPr id="82" name="Текст заголовка"/>
+          <p:cNvPr id="82" name="Title Text"/>
           <p:cNvSpPr txBox="1">
             <a:spLocks noGrp="1"/>
           </p:cNvSpPr>
@@ -1327,7 +1736,7 @@
           </a:lstStyle>
           <a:p>
             <a:r>
-              <a:t>Текст заголовка</a:t>
+              <a:t>Title Text</a:t>
             </a:r>
           </a:p>
         </p:txBody>
@@ -1363,7 +1772,7 @@
       </p:sp>
       <p:sp>
         <p:nvSpPr>
-          <p:cNvPr id="84" name="Уровень текста 1…"/>
+          <p:cNvPr id="84" name="Body Level One…"/>
           <p:cNvSpPr txBox="1">
             <a:spLocks noGrp="1"/>
           </p:cNvSpPr>
@@ -1416,38 +1825,38 @@
           </a:lstStyle>
           <a:p>
             <a:r>
-              <a:t>Уровень текста 1</a:t>
+              <a:t>Body Level One</a:t>
             </a:r>
           </a:p>
           <a:p>
             <a:pPr lvl="1"/>
             <a:r>
-              <a:t>Уровень текста 2</a:t>
+              <a:t>Body Level Two</a:t>
             </a:r>
           </a:p>
           <a:p>
             <a:pPr lvl="2"/>
             <a:r>
-              <a:t>Уровень текста 3</a:t>
+              <a:t>Body Level Three</a:t>
             </a:r>
           </a:p>
           <a:p>
             <a:pPr lvl="3"/>
             <a:r>
-              <a:t>Уровень текста 4</a:t>
+              <a:t>Body Level Four</a:t>
             </a:r>
           </a:p>
           <a:p>
             <a:pPr lvl="4"/>
             <a:r>
-              <a:t>Уровень текста 5</a:t>
+              <a:t>Body Level Five</a:t>
             </a:r>
           </a:p>
         </p:txBody>
       </p:sp>
       <p:sp>
         <p:nvSpPr>
-          <p:cNvPr id="85" name="Номер слайда"/>
+          <p:cNvPr id="85" name="01"/>
           <p:cNvSpPr txBox="1">
             <a:spLocks noGrp="1"/>
           </p:cNvSpPr>
@@ -1480,7 +1889,7 @@
 </p:sldLayout>
 </file>
 
-<file path=ppt/slideLayouts/slideLayout8.xml><?xml version="1.0" encoding="utf-8"?>
+<file path=ppt/slideLayouts/slideLayout9.xml><?xml version="1.0" encoding="utf-8"?>
 <p:sldLayout xmlns:a="http://schemas.openxmlformats.org/drawingml/2006/main" xmlns:r="http://schemas.openxmlformats.org/officeDocument/2006/relationships" xmlns:p="http://schemas.openxmlformats.org/presentationml/2006/main" type="tx">
   <p:cSld name="Заголовок и пункты">
     <p:spTree>
@@ -1499,7 +1908,7 @@
       </p:grpSpPr>
       <p:sp>
         <p:nvSpPr>
-          <p:cNvPr id="92" name="Уровень текста 1…"/>
+          <p:cNvPr id="92" name="Body Level One…"/>
           <p:cNvSpPr txBox="1">
             <a:spLocks noGrp="1"/>
           </p:cNvSpPr>
@@ -1529,10 +1938,10 @@
               <a:buSzPct val="123000"/>
               <a:buFontTx/>
               <a:defRPr sz="1200">
-                <a:latin typeface="Roboto Light"/>
-                <a:ea typeface="Roboto Light"/>
-                <a:cs typeface="Roboto Light"/>
-                <a:sym typeface="Roboto Light"/>
+                <a:latin typeface="+mn-lt"/>
+                <a:ea typeface="+mn-ea"/>
+                <a:cs typeface="+mn-cs"/>
+                <a:sym typeface="Helvetica"/>
               </a:defRPr>
             </a:lvl1pPr>
             <a:lvl2pPr marL="533400" indent="-152400" defTabSz="1980021">
@@ -1545,10 +1954,10 @@
               <a:buSzPct val="123000"/>
               <a:buFontTx/>
               <a:defRPr sz="1200">
-                <a:latin typeface="Roboto Light"/>
-                <a:ea typeface="Roboto Light"/>
-                <a:cs typeface="Roboto Light"/>
-                <a:sym typeface="Roboto Light"/>
+                <a:latin typeface="+mn-lt"/>
+                <a:ea typeface="+mn-ea"/>
+                <a:cs typeface="+mn-cs"/>
+                <a:sym typeface="Helvetica"/>
               </a:defRPr>
             </a:lvl2pPr>
             <a:lvl3pPr marL="914400" indent="-152400" defTabSz="1980021">
@@ -1561,10 +1970,10 @@
               <a:buSzPct val="123000"/>
               <a:buFontTx/>
               <a:defRPr sz="1200">
-                <a:latin typeface="Roboto Light"/>
-                <a:ea typeface="Roboto Light"/>
-                <a:cs typeface="Roboto Light"/>
-                <a:sym typeface="Roboto Light"/>
+                <a:latin typeface="+mn-lt"/>
+                <a:ea typeface="+mn-ea"/>
+                <a:cs typeface="+mn-cs"/>
+                <a:sym typeface="Helvetica"/>
               </a:defRPr>
             </a:lvl3pPr>
             <a:lvl4pPr marL="1295400" indent="-152400" defTabSz="1980021">
@@ -1577,10 +1986,10 @@
               <a:buSzPct val="123000"/>
               <a:buFontTx/>
               <a:defRPr sz="1200">
-                <a:latin typeface="Roboto Light"/>
-                <a:ea typeface="Roboto Light"/>
-                <a:cs typeface="Roboto Light"/>
-                <a:sym typeface="Roboto Light"/>
+                <a:latin typeface="+mn-lt"/>
+                <a:ea typeface="+mn-ea"/>
+                <a:cs typeface="+mn-cs"/>
+                <a:sym typeface="Helvetica"/>
               </a:defRPr>
             </a:lvl4pPr>
             <a:lvl5pPr marL="1676400" indent="-152400" defTabSz="1980021">
@@ -1593,10 +2002,10 @@
               <a:buSzPct val="123000"/>
               <a:buFontTx/>
               <a:defRPr sz="1200">
-                <a:latin typeface="Roboto Light"/>
-                <a:ea typeface="Roboto Light"/>
-                <a:cs typeface="Roboto Light"/>
-                <a:sym typeface="Roboto Light"/>
+                <a:latin typeface="+mn-lt"/>
+                <a:ea typeface="+mn-ea"/>
+                <a:cs typeface="+mn-cs"/>
+                <a:sym typeface="Helvetica"/>
               </a:defRPr>
             </a:lvl5pPr>
           </a:lstStyle>
@@ -1714,7 +2123,7 @@
       </p:sp>
       <p:sp>
         <p:nvSpPr>
-          <p:cNvPr id="95" name="Номер слайда"/>
+          <p:cNvPr id="95" name="01"/>
           <p:cNvSpPr txBox="1">
             <a:spLocks noGrp="1"/>
           </p:cNvSpPr>
@@ -1736,289 +2145,6 @@
           <a:lstStyle>
             <a:lvl1pPr algn="ctr" defTabSz="667113">
               <a:defRPr sz="1100">
-                <a:solidFill>
-                  <a:srgbClr val="000000"/>
-                </a:solidFill>
-                <a:latin typeface="Helvetica Neue"/>
-                <a:ea typeface="Helvetica Neue"/>
-                <a:cs typeface="Helvetica Neue"/>
-                <a:sym typeface="Helvetica Neue"/>
-              </a:defRPr>
-            </a:lvl1pPr>
-          </a:lstStyle>
-          <a:p>
-            <a:fld id="{86CB4B4D-7CA3-9044-876B-883B54F8677D}" type="slidenum">
-              <a:t>‹#›</a:t>
-            </a:fld>
-            <a:endParaRPr/>
-          </a:p>
-        </p:txBody>
-      </p:sp>
-    </p:spTree>
-  </p:cSld>
-  <p:clrMapOvr>
-    <a:masterClrMapping/>
-  </p:clrMapOvr>
-  <p:transition spd="med"/>
-</p:sldLayout>
-</file>
-
-<file path=ppt/slideLayouts/slideLayout9.xml><?xml version="1.0" encoding="utf-8"?>
-<p:sldLayout xmlns:a="http://schemas.openxmlformats.org/drawingml/2006/main" xmlns:r="http://schemas.openxmlformats.org/officeDocument/2006/relationships" xmlns:p="http://schemas.openxmlformats.org/presentationml/2006/main" type="tx">
-  <p:cSld name="Заголовок и пункты">
-    <p:spTree>
-      <p:nvGrpSpPr>
-        <p:cNvPr id="1" name=""/>
-        <p:cNvGrpSpPr/>
-        <p:nvPr/>
-      </p:nvGrpSpPr>
-      <p:grpSpPr>
-        <a:xfrm>
-          <a:off x="0" y="0"/>
-          <a:ext cx="0" cy="0"/>
-          <a:chOff x="0" y="0"/>
-          <a:chExt cx="0" cy="0"/>
-        </a:xfrm>
-      </p:grpSpPr>
-      <p:sp>
-        <p:nvSpPr>
-          <p:cNvPr id="102" name="Уровень текста 1…"/>
-          <p:cNvSpPr txBox="1">
-            <a:spLocks noGrp="1"/>
-          </p:cNvSpPr>
-          <p:nvPr>
-            <p:ph type="body" sz="quarter" idx="1" hasCustomPrompt="1"/>
-          </p:nvPr>
-        </p:nvSpPr>
-        <p:spPr>
-          <a:xfrm>
-            <a:off x="1301439" y="4698119"/>
-            <a:ext cx="5271122" cy="2768204"/>
-          </a:xfrm>
-          <a:prstGeom prst="rect">
-            <a:avLst/>
-          </a:prstGeom>
-        </p:spPr>
-        <p:txBody>
-          <a:bodyPr lIns="23068" tIns="23068" rIns="23068" bIns="23068"/>
-          <a:lstStyle>
-            <a:lvl1pPr marL="190500" indent="-190500" defTabSz="1980021">
-              <a:lnSpc>
-                <a:spcPct val="110000"/>
-              </a:lnSpc>
-              <a:spcBef>
-                <a:spcPts val="3600"/>
-              </a:spcBef>
-              <a:buSzPct val="123000"/>
-              <a:buFontTx/>
-              <a:defRPr sz="1500">
-                <a:latin typeface="Roboto Light"/>
-                <a:ea typeface="Roboto Light"/>
-                <a:cs typeface="Roboto Light"/>
-                <a:sym typeface="Roboto Light"/>
-              </a:defRPr>
-            </a:lvl1pPr>
-            <a:lvl2pPr marL="571500" indent="-190500" defTabSz="1980021">
-              <a:lnSpc>
-                <a:spcPct val="110000"/>
-              </a:lnSpc>
-              <a:spcBef>
-                <a:spcPts val="3600"/>
-              </a:spcBef>
-              <a:buSzPct val="123000"/>
-              <a:buFontTx/>
-              <a:defRPr sz="1500">
-                <a:latin typeface="Roboto Light"/>
-                <a:ea typeface="Roboto Light"/>
-                <a:cs typeface="Roboto Light"/>
-                <a:sym typeface="Roboto Light"/>
-              </a:defRPr>
-            </a:lvl2pPr>
-            <a:lvl3pPr marL="952500" indent="-190500" defTabSz="1980021">
-              <a:lnSpc>
-                <a:spcPct val="110000"/>
-              </a:lnSpc>
-              <a:spcBef>
-                <a:spcPts val="3600"/>
-              </a:spcBef>
-              <a:buSzPct val="123000"/>
-              <a:buFontTx/>
-              <a:defRPr sz="1500">
-                <a:latin typeface="Roboto Light"/>
-                <a:ea typeface="Roboto Light"/>
-                <a:cs typeface="Roboto Light"/>
-                <a:sym typeface="Roboto Light"/>
-              </a:defRPr>
-            </a:lvl3pPr>
-            <a:lvl4pPr marL="1333500" indent="-190500" defTabSz="1980021">
-              <a:lnSpc>
-                <a:spcPct val="110000"/>
-              </a:lnSpc>
-              <a:spcBef>
-                <a:spcPts val="3600"/>
-              </a:spcBef>
-              <a:buSzPct val="123000"/>
-              <a:buFontTx/>
-              <a:defRPr sz="1500">
-                <a:latin typeface="Roboto Light"/>
-                <a:ea typeface="Roboto Light"/>
-                <a:cs typeface="Roboto Light"/>
-                <a:sym typeface="Roboto Light"/>
-              </a:defRPr>
-            </a:lvl4pPr>
-            <a:lvl5pPr marL="1714500" indent="-190500" defTabSz="1980021">
-              <a:lnSpc>
-                <a:spcPct val="110000"/>
-              </a:lnSpc>
-              <a:spcBef>
-                <a:spcPts val="3600"/>
-              </a:spcBef>
-              <a:buSzPct val="123000"/>
-              <a:buFontTx/>
-              <a:defRPr sz="1500">
-                <a:latin typeface="Roboto Light"/>
-                <a:ea typeface="Roboto Light"/>
-                <a:cs typeface="Roboto Light"/>
-                <a:sym typeface="Roboto Light"/>
-              </a:defRPr>
-            </a:lvl5pPr>
-          </a:lstStyle>
-          <a:p>
-            <a:r>
-              <a:t>Текст пункта на слайде</a:t>
-            </a:r>
-          </a:p>
-          <a:p>
-            <a:pPr lvl="1"/>
-            <a:endParaRPr/>
-          </a:p>
-          <a:p>
-            <a:pPr lvl="2"/>
-            <a:endParaRPr/>
-          </a:p>
-          <a:p>
-            <a:pPr lvl="3"/>
-            <a:endParaRPr/>
-          </a:p>
-          <a:p>
-            <a:pPr lvl="4"/>
-            <a:endParaRPr/>
-          </a:p>
-        </p:txBody>
-      </p:sp>
-      <p:sp>
-        <p:nvSpPr>
-          <p:cNvPr id="103" name="Подзаголовок слайда"/>
-          <p:cNvSpPr txBox="1">
-            <a:spLocks noGrp="1"/>
-          </p:cNvSpPr>
-          <p:nvPr>
-            <p:ph type="body" sz="quarter" idx="21" hasCustomPrompt="1"/>
-          </p:nvPr>
-        </p:nvSpPr>
-        <p:spPr>
-          <a:xfrm>
-            <a:off x="1301439" y="3996022"/>
-            <a:ext cx="5271122" cy="305067"/>
-          </a:xfrm>
-          <a:prstGeom prst="rect">
-            <a:avLst/>
-          </a:prstGeom>
-          <a:ln w="3175"/>
-        </p:spPr>
-        <p:txBody>
-          <a:bodyPr lIns="23068" tIns="23068" rIns="23068" bIns="23068"/>
-          <a:lstStyle>
-            <a:lvl1pPr marL="0" indent="0" defTabSz="315058">
-              <a:lnSpc>
-                <a:spcPct val="100000"/>
-              </a:lnSpc>
-              <a:spcBef>
-                <a:spcPts val="0"/>
-              </a:spcBef>
-              <a:buSzTx/>
-              <a:buFontTx/>
-              <a:buNone/>
-              <a:defRPr sz="1692" b="1">
-                <a:latin typeface="Helvetica Neue"/>
-                <a:ea typeface="Helvetica Neue"/>
-                <a:cs typeface="Helvetica Neue"/>
-                <a:sym typeface="Helvetica Neue"/>
-              </a:defRPr>
-            </a:lvl1pPr>
-          </a:lstStyle>
-          <a:p>
-            <a:r>
-              <a:t>Подзаголовок слайда</a:t>
-            </a:r>
-          </a:p>
-        </p:txBody>
-      </p:sp>
-      <p:sp>
-        <p:nvSpPr>
-          <p:cNvPr id="104" name="Заголовок слайда"/>
-          <p:cNvSpPr txBox="1">
-            <a:spLocks noGrp="1"/>
-          </p:cNvSpPr>
-          <p:nvPr>
-            <p:ph type="title" hasCustomPrompt="1"/>
-          </p:nvPr>
-        </p:nvSpPr>
-        <p:spPr>
-          <a:xfrm>
-            <a:off x="1301439" y="3554313"/>
-            <a:ext cx="5271122" cy="461368"/>
-          </a:xfrm>
-          <a:prstGeom prst="rect">
-            <a:avLst/>
-          </a:prstGeom>
-        </p:spPr>
-        <p:txBody>
-          <a:bodyPr lIns="23068" tIns="23068" rIns="23068" bIns="23068" anchor="t"/>
-          <a:lstStyle>
-            <a:lvl1pPr defTabSz="1980021">
-              <a:lnSpc>
-                <a:spcPct val="80000"/>
-              </a:lnSpc>
-              <a:defRPr sz="6200" b="1" spc="-124">
-                <a:latin typeface="Helvetica Neue"/>
-                <a:ea typeface="Helvetica Neue"/>
-                <a:cs typeface="Helvetica Neue"/>
-                <a:sym typeface="Helvetica Neue"/>
-              </a:defRPr>
-            </a:lvl1pPr>
-          </a:lstStyle>
-          <a:p>
-            <a:r>
-              <a:t>Заголовок слайда</a:t>
-            </a:r>
-          </a:p>
-        </p:txBody>
-      </p:sp>
-      <p:sp>
-        <p:nvSpPr>
-          <p:cNvPr id="105" name="Номер слайда"/>
-          <p:cNvSpPr txBox="1">
-            <a:spLocks noGrp="1"/>
-          </p:cNvSpPr>
-          <p:nvPr>
-            <p:ph type="sldNum" sz="quarter" idx="2"/>
-          </p:nvPr>
-        </p:nvSpPr>
-        <p:spPr>
-          <a:xfrm>
-            <a:off x="3821309" y="7452169"/>
-            <a:ext cx="228306" cy="219670"/>
-          </a:xfrm>
-          <a:prstGeom prst="rect">
-            <a:avLst/>
-          </a:prstGeom>
-        </p:spPr>
-        <p:txBody>
-          <a:bodyPr lIns="23068" tIns="23068" rIns="23068" bIns="23068" anchor="b"/>
-          <a:lstStyle>
-            <a:lvl1pPr algn="ctr" defTabSz="667113">
-              <a:defRPr sz="1200">
                 <a:solidFill>
                   <a:srgbClr val="000000"/>
                 </a:solidFill>
@@ -2073,7 +2199,7 @@
       </p:grpSpPr>
       <p:sp>
         <p:nvSpPr>
-          <p:cNvPr id="2" name="Текст заголовка"/>
+          <p:cNvPr id="2" name="Title Text"/>
           <p:cNvSpPr txBox="1">
             <a:spLocks noGrp="1"/>
           </p:cNvSpPr>
@@ -2105,14 +2231,14 @@
           <a:lstStyle/>
           <a:p>
             <a:r>
-              <a:t>Текст заголовка</a:t>
+              <a:t>Title Text</a:t>
             </a:r>
           </a:p>
         </p:txBody>
       </p:sp>
       <p:sp>
         <p:nvSpPr>
-          <p:cNvPr id="3" name="Уровень текста 1…"/>
+          <p:cNvPr id="3" name="Body Level One…"/>
           <p:cNvSpPr txBox="1">
             <a:spLocks noGrp="1"/>
           </p:cNvSpPr>
@@ -2144,38 +2270,38 @@
           <a:lstStyle/>
           <a:p>
             <a:r>
-              <a:t>Уровень текста 1</a:t>
+              <a:t>Body Level One</a:t>
             </a:r>
           </a:p>
           <a:p>
             <a:pPr lvl="1"/>
             <a:r>
-              <a:t>Уровень текста 2</a:t>
+              <a:t>Body Level Two</a:t>
             </a:r>
           </a:p>
           <a:p>
             <a:pPr lvl="2"/>
             <a:r>
-              <a:t>Уровень текста 3</a:t>
+              <a:t>Body Level Three</a:t>
             </a:r>
           </a:p>
           <a:p>
             <a:pPr lvl="3"/>
             <a:r>
-              <a:t>Уровень текста 4</a:t>
+              <a:t>Body Level Four</a:t>
             </a:r>
           </a:p>
           <a:p>
             <a:pPr lvl="4"/>
             <a:r>
-              <a:t>Уровень текста 5</a:t>
+              <a:t>Body Level Five</a:t>
             </a:r>
           </a:p>
         </p:txBody>
       </p:sp>
       <p:sp>
         <p:nvSpPr>
-          <p:cNvPr id="4" name="Номер слайда"/>
+          <p:cNvPr id="4" name="01"/>
           <p:cNvSpPr txBox="1">
             <a:spLocks noGrp="1"/>
           </p:cNvSpPr>
@@ -2220,15 +2346,16 @@
   </p:cSld>
   <p:clrMap bg1="lt1" tx1="dk1" bg2="lt2" tx2="dk2" accent1="accent1" accent2="accent2" accent3="accent3" accent4="accent4" accent5="accent5" accent6="accent6" hlink="hlink" folHlink="folHlink"/>
   <p:sldLayoutIdLst>
-    <p:sldLayoutId id="2147483651" r:id="rId1"/>
-    <p:sldLayoutId id="2147483652" r:id="rId2"/>
-    <p:sldLayoutId id="2147483653" r:id="rId3"/>
-    <p:sldLayoutId id="2147483654" r:id="rId4"/>
-    <p:sldLayoutId id="2147483655" r:id="rId5"/>
-    <p:sldLayoutId id="2147483656" r:id="rId6"/>
-    <p:sldLayoutId id="2147483657" r:id="rId7"/>
-    <p:sldLayoutId id="2147483658" r:id="rId8"/>
-    <p:sldLayoutId id="2147483659" r:id="rId9"/>
+    <p:sldLayoutId id="2147483650" r:id="rId1"/>
+    <p:sldLayoutId id="2147483651" r:id="rId2"/>
+    <p:sldLayoutId id="2147483652" r:id="rId3"/>
+    <p:sldLayoutId id="2147483653" r:id="rId4"/>
+    <p:sldLayoutId id="2147483654" r:id="rId5"/>
+    <p:sldLayoutId id="2147483655" r:id="rId6"/>
+    <p:sldLayoutId id="2147483656" r:id="rId7"/>
+    <p:sldLayoutId id="2147483657" r:id="rId8"/>
+    <p:sldLayoutId id="2147483658" r:id="rId9"/>
+    <p:sldLayoutId id="2147483659" r:id="rId10"/>
   </p:sldLayoutIdLst>
   <p:transition spd="med"/>
   <p:txStyles>
@@ -2963,20 +3090,20 @@
       </p:grpSpPr>
       <p:sp>
         <p:nvSpPr>
-          <p:cNvPr id="300" name="Прямоугольник"/>
+          <p:cNvPr id="114" name="Rectangle"/>
           <p:cNvSpPr/>
           <p:nvPr/>
         </p:nvSpPr>
         <p:spPr>
           <a:xfrm>
-            <a:off x="4571" y="1882421"/>
-            <a:ext cx="2837953" cy="9246156"/>
+            <a:off x="4571" y="9322"/>
+            <a:ext cx="2837953" cy="11119256"/>
           </a:xfrm>
           <a:prstGeom prst="rect">
             <a:avLst/>
           </a:prstGeom>
           <a:solidFill>
-            <a:srgbClr val="A8DADC"/>
+            <a:srgbClr val="E5ECF4"/>
           </a:solidFill>
           <a:ln w="3175">
             <a:miter lim="400000"/>
@@ -3003,20 +3130,20 @@
       </p:sp>
       <p:sp>
         <p:nvSpPr>
-          <p:cNvPr id="301" name="Прямоугольник"/>
+          <p:cNvPr id="115" name="Rectangle"/>
           <p:cNvSpPr/>
           <p:nvPr/>
         </p:nvSpPr>
         <p:spPr>
           <a:xfrm>
-            <a:off x="4571" y="-4011"/>
-            <a:ext cx="7874001" cy="1886433"/>
+            <a:off x="2836625" y="-4010"/>
+            <a:ext cx="5041946" cy="1886432"/>
           </a:xfrm>
           <a:prstGeom prst="rect">
             <a:avLst/>
           </a:prstGeom>
           <a:solidFill>
-            <a:srgbClr val="5E5E5E"/>
+            <a:srgbClr val="F0F0F0"/>
           </a:solidFill>
           <a:ln w="3175">
             <a:miter lim="400000"/>
@@ -3029,7 +3156,7 @@
             <a:pPr algn="ctr" defTabSz="584200">
               <a:defRPr sz="1200">
                 <a:solidFill>
-                  <a:srgbClr val="FFFFFF"/>
+                  <a:srgbClr val="1D3557"/>
                 </a:solidFill>
                 <a:latin typeface="Helvetica Neue Medium"/>
                 <a:ea typeface="Helvetica Neue Medium"/>
@@ -3043,28 +3170,28 @@
       </p:sp>
       <p:grpSp>
         <p:nvGrpSpPr>
-          <p:cNvPr id="304" name="Сгруппировать"/>
+          <p:cNvPr id="118" name="Group"/>
           <p:cNvGrpSpPr/>
           <p:nvPr/>
         </p:nvGrpSpPr>
         <p:grpSpPr>
           <a:xfrm>
-            <a:off x="716576" y="588335"/>
-            <a:ext cx="6793903" cy="945487"/>
+            <a:off x="2976979" y="466462"/>
+            <a:ext cx="4735841" cy="945488"/>
             <a:chOff x="0" y="0"/>
-            <a:chExt cx="6793901" cy="945486"/>
+            <a:chExt cx="4735839" cy="945486"/>
           </a:xfrm>
         </p:grpSpPr>
         <p:sp>
           <p:nvSpPr>
-            <p:cNvPr id="302" name="ALexander Malcolm"/>
+            <p:cNvPr id="116" name="Lily Brown"/>
             <p:cNvSpPr txBox="1"/>
             <p:nvPr/>
           </p:nvSpPr>
           <p:spPr>
             <a:xfrm>
-              <a:off x="0" y="0"/>
-              <a:ext cx="6793902" cy="659021"/>
+              <a:off x="0" y="-1"/>
+              <a:ext cx="4735840" cy="659022"/>
             </a:xfrm>
             <a:prstGeom prst="rect">
               <a:avLst/>
@@ -3086,11 +3213,8 @@
               <a:noAutofit/>
             </a:bodyPr>
             <a:lstStyle>
-              <a:lvl1pPr defTabSz="457200">
+              <a:lvl1pPr algn="ctr" defTabSz="457200">
                 <a:defRPr sz="3000" cap="all" spc="450">
-                  <a:solidFill>
-                    <a:srgbClr val="FFFFFF"/>
-                  </a:solidFill>
                   <a:latin typeface="Helvetica Neue"/>
                   <a:ea typeface="Helvetica Neue"/>
                   <a:cs typeface="Helvetica Neue"/>
@@ -3100,21 +3224,21 @@
             </a:lstStyle>
             <a:p>
               <a:r>
-                <a:t>ALexander Malcolm</a:t>
+                <a:t>Lily Brown</a:t>
               </a:r>
             </a:p>
           </p:txBody>
         </p:sp>
         <p:sp>
           <p:nvSpPr>
-            <p:cNvPr id="303" name="Creative director"/>
+            <p:cNvPr id="117" name="Lawyer"/>
             <p:cNvSpPr txBox="1"/>
             <p:nvPr/>
           </p:nvSpPr>
           <p:spPr>
             <a:xfrm>
-              <a:off x="0" y="498104"/>
-              <a:ext cx="3519308" cy="447383"/>
+              <a:off x="-1" y="498104"/>
+              <a:ext cx="4726753" cy="447383"/>
             </a:xfrm>
             <a:prstGeom prst="rect">
               <a:avLst/>
@@ -3136,10 +3260,10 @@
               <a:noAutofit/>
             </a:bodyPr>
             <a:lstStyle>
-              <a:lvl1pPr defTabSz="457200">
-                <a:defRPr sz="1300" cap="all" spc="286">
+              <a:lvl1pPr algn="ctr" defTabSz="457200">
+                <a:defRPr sz="1400" cap="all" spc="308">
                   <a:solidFill>
-                    <a:srgbClr val="FFFFFF"/>
+                    <a:srgbClr val="8B4513"/>
                   </a:solidFill>
                   <a:latin typeface="Helvetica Neue Light"/>
                   <a:ea typeface="Helvetica Neue Light"/>
@@ -3150,7 +3274,7 @@
             </a:lstStyle>
             <a:p>
               <a:r>
-                <a:t>Creative director</a:t>
+                <a:t>Lawyer</a:t>
               </a:r>
             </a:p>
           </p:txBody>
@@ -3158,14 +3282,14 @@
       </p:grpSp>
       <p:sp>
         <p:nvSpPr>
-          <p:cNvPr id="305" name="Lorem ipsum dolor sit amet, consectetur adipiscing elit. Aliquam ac bibendum dui. Proin convallis libero id diam porta, facilisis varius velit tempus. Mauris semper, sem sit amet semper porttitor, lectus enim vehicula enim, vel scelerisque metus ligula i"/>
+          <p:cNvPr id="119" name="Results-driven and highly skilled Lawyer with a proven track record of success in providing expert legal counsel and representation. Possessing a strong background in contract law, litigation, and client advocacy. Adept at analyzing complex legal issues "/>
           <p:cNvSpPr txBox="1"/>
           <p:nvPr/>
         </p:nvSpPr>
         <p:spPr>
           <a:xfrm>
-            <a:off x="3079248" y="2576461"/>
-            <a:ext cx="4044465" cy="1579274"/>
+            <a:off x="3159681" y="2641532"/>
+            <a:ext cx="4408465" cy="1379593"/>
           </a:xfrm>
           <a:prstGeom prst="rect">
             <a:avLst/>
@@ -3187,6 +3311,9 @@
                 <a:spcPct val="130000"/>
               </a:lnSpc>
               <a:defRPr sz="900">
+                <a:solidFill>
+                  <a:srgbClr val="333333"/>
+                </a:solidFill>
                 <a:latin typeface="Helvetica Neue Light"/>
                 <a:ea typeface="Helvetica Neue Light"/>
                 <a:cs typeface="Helvetica Neue Light"/>
@@ -3196,21 +3323,21 @@
           </a:lstStyle>
           <a:p>
             <a:r>
-              <a:t>Lorem ipsum dolor sit amet, consectetur adipiscing elit. Aliquam ac bibendum dui. Proin convallis libero id diam porta, facilisis varius velit tempus. Mauris semper, sem sit amet semper porttitor, lectus enim vehicula enim, vel scelerisque metus ligula id nibh. Nullam vitae sem fermentum, dignissim dui eget, luctus ex. Donec vel ex vitae diam vulputate elementum tincidunt in dui. In congue nisi ac pretium suscipit. Aliquam erat volutpat. Morbi egestas ornare suscipit. Fusce eu consectetur ipsum.</a:t>
+              <a:t>Results-driven and highly skilled Lawyer with a proven track record of success in providing expert legal counsel and representation. Possessing a strong background in contract law, litigation, and client advocacy. Adept at analyzing complex legal issues and crafting innovative legal strategies. Committed to upholding the highest standards of ethics and integrity in all legal matters.</a:t>
             </a:r>
           </a:p>
         </p:txBody>
       </p:sp>
       <p:sp>
         <p:nvSpPr>
-          <p:cNvPr id="306" name="Profile"/>
+          <p:cNvPr id="120" name="Professional Summary:"/>
           <p:cNvSpPr txBox="1"/>
           <p:nvPr/>
         </p:nvSpPr>
         <p:spPr>
           <a:xfrm>
-            <a:off x="3026339" y="2094059"/>
-            <a:ext cx="2298662" cy="447383"/>
+            <a:off x="3160984" y="2065607"/>
+            <a:ext cx="3563503" cy="447383"/>
           </a:xfrm>
           <a:prstGeom prst="rect">
             <a:avLst/>
@@ -3229,6 +3356,9 @@
           <a:lstStyle>
             <a:lvl1pPr defTabSz="457200">
               <a:defRPr sz="1300" cap="all" spc="455">
+                <a:solidFill>
+                  <a:srgbClr val="8B4513"/>
+                </a:solidFill>
                 <a:latin typeface="Helvetica Neue"/>
                 <a:ea typeface="Helvetica Neue"/>
                 <a:cs typeface="Helvetica Neue"/>
@@ -3238,21 +3368,21 @@
           </a:lstStyle>
           <a:p>
             <a:r>
-              <a:t>Profile</a:t>
+              <a:t>Professional Summary:</a:t>
             </a:r>
           </a:p>
         </p:txBody>
       </p:sp>
       <p:sp>
         <p:nvSpPr>
-          <p:cNvPr id="307" name="Lorem ipsum dolor sit amet, consectetur adipiscing elit. Aliquam ac bibendum dui. Proin convallis libero id diam porta, facilisis varius velit tempus. Mauris semper, sem sit amet semper porttitor, lectus enim vehicula enim, vel scelerisque metus ligula i"/>
+          <p:cNvPr id="121" name="Represent clients in civil litigation cases, including contract disputes, employment law matters, and personal injury claims.…"/>
           <p:cNvSpPr txBox="1"/>
           <p:nvPr/>
         </p:nvSpPr>
         <p:spPr>
           <a:xfrm>
-            <a:off x="3079248" y="5061853"/>
-            <a:ext cx="4044465" cy="1047445"/>
+            <a:off x="3159681" y="5012470"/>
+            <a:ext cx="4408465" cy="1132789"/>
           </a:xfrm>
           <a:prstGeom prst="rect">
             <a:avLst/>
@@ -3268,36 +3398,120 @@
         </p:spPr>
         <p:txBody>
           <a:bodyPr lIns="0" tIns="0" rIns="0" bIns="0"/>
-          <a:lstStyle>
-            <a:lvl1pPr algn="just" defTabSz="457200">
+          <a:lstStyle/>
+          <a:p>
+            <a:pPr marL="90236" indent="-90236" algn="just" defTabSz="457200">
               <a:lnSpc>
                 <a:spcPct val="130000"/>
               </a:lnSpc>
+              <a:buSzPct val="100000"/>
+              <a:buChar char="•"/>
               <a:defRPr sz="900">
+                <a:solidFill>
+                  <a:srgbClr val="333333"/>
+                </a:solidFill>
                 <a:latin typeface="Helvetica Neue Light"/>
                 <a:ea typeface="Helvetica Neue Light"/>
                 <a:cs typeface="Helvetica Neue Light"/>
                 <a:sym typeface="Helvetica Neue Light"/>
               </a:defRPr>
-            </a:lvl1pPr>
-          </a:lstStyle>
-          <a:p>
-            <a:r>
-              <a:t>Lorem ipsum dolor sit amet, consectetur adipiscing elit. Aliquam ac bibendum dui. Proin convallis libero id diam porta, facilisis varius velit tempus. Mauris semper, sem sit amet semper porttitor, lectus enim vehicula enim, vel scelerisque metus ligula id nibh. Nullam vitae sem fermentum, dignissim dui eget, luctus ex. Proin convallis libero id diam porta, facilisis varius velit tempus.</a:t>
+            </a:pPr>
+            <a:r>
+              <a:t>Represent clients in civil litigation cases, including contract disputes, employment law matters, and personal injury claims.</a:t>
+            </a:r>
+          </a:p>
+          <a:p>
+            <a:pPr marL="90236" indent="-90236" algn="just" defTabSz="457200">
+              <a:lnSpc>
+                <a:spcPct val="130000"/>
+              </a:lnSpc>
+              <a:buSzPct val="100000"/>
+              <a:buChar char="•"/>
+              <a:defRPr sz="900">
+                <a:solidFill>
+                  <a:srgbClr val="333333"/>
+                </a:solidFill>
+                <a:latin typeface="Helvetica Neue Light"/>
+                <a:ea typeface="Helvetica Neue Light"/>
+                <a:cs typeface="Helvetica Neue Light"/>
+                <a:sym typeface="Helvetica Neue Light"/>
+              </a:defRPr>
+            </a:pPr>
+            <a:r>
+              <a:t>Conduct legal research and draft legal documents, such as briefs, pleadings, and motions.</a:t>
+            </a:r>
+          </a:p>
+          <a:p>
+            <a:pPr marL="90236" indent="-90236" algn="just" defTabSz="457200">
+              <a:lnSpc>
+                <a:spcPct val="130000"/>
+              </a:lnSpc>
+              <a:buSzPct val="100000"/>
+              <a:buChar char="•"/>
+              <a:defRPr sz="900">
+                <a:solidFill>
+                  <a:srgbClr val="333333"/>
+                </a:solidFill>
+                <a:latin typeface="Helvetica Neue Light"/>
+                <a:ea typeface="Helvetica Neue Light"/>
+                <a:cs typeface="Helvetica Neue Light"/>
+                <a:sym typeface="Helvetica Neue Light"/>
+              </a:defRPr>
+            </a:pPr>
+            <a:r>
+              <a:t>Negotiate settlements on behalf of clients, achieving favorable outcomes and resolving disputes efficiently.</a:t>
+            </a:r>
+          </a:p>
+          <a:p>
+            <a:pPr algn="just" defTabSz="457200">
+              <a:lnSpc>
+                <a:spcPct val="130000"/>
+              </a:lnSpc>
+              <a:defRPr sz="900">
+                <a:solidFill>
+                  <a:srgbClr val="333333"/>
+                </a:solidFill>
+                <a:latin typeface="Helvetica Neue Light"/>
+                <a:ea typeface="Helvetica Neue Light"/>
+                <a:cs typeface="Helvetica Neue Light"/>
+                <a:sym typeface="Helvetica Neue Light"/>
+              </a:defRPr>
+            </a:pPr>
+            <a:r>
+              <a:t>- Provide legal counsel to clients on a wide range of legal issues, ensuring compliance with relevant laws and regulations.</a:t>
+            </a:r>
+          </a:p>
+          <a:p>
+            <a:pPr algn="just" defTabSz="457200">
+              <a:lnSpc>
+                <a:spcPct val="130000"/>
+              </a:lnSpc>
+              <a:defRPr sz="900">
+                <a:solidFill>
+                  <a:srgbClr val="333333"/>
+                </a:solidFill>
+                <a:latin typeface="Helvetica Neue Light"/>
+                <a:ea typeface="Helvetica Neue Light"/>
+                <a:cs typeface="Helvetica Neue Light"/>
+                <a:sym typeface="Helvetica Neue Light"/>
+              </a:defRPr>
+            </a:pPr>
+            <a:r>
+              <a:t>- Manage a caseload of diverse legal matters, prioritizing tasks and deadlines effectively.</a:t>
             </a:r>
           </a:p>
         </p:txBody>
       </p:sp>
       <p:sp>
         <p:nvSpPr>
-          <p:cNvPr id="308" name="experience"/>
+          <p:cNvPr id="122" name="Professional Experience"/>
           <p:cNvSpPr txBox="1"/>
           <p:nvPr/>
         </p:nvSpPr>
         <p:spPr>
           <a:xfrm>
-            <a:off x="3026339" y="4090037"/>
-            <a:ext cx="3344623" cy="447383"/>
+            <a:off x="3105878" y="4033985"/>
+            <a:ext cx="3829803" cy="447383"/>
           </a:xfrm>
           <a:prstGeom prst="rect">
             <a:avLst/>
@@ -3316,6 +3530,9 @@
           <a:lstStyle>
             <a:lvl1pPr defTabSz="457200">
               <a:defRPr sz="1300" cap="all" spc="403">
+                <a:solidFill>
+                  <a:srgbClr val="8B4513"/>
+                </a:solidFill>
                 <a:latin typeface="Helvetica Neue"/>
                 <a:ea typeface="Helvetica Neue"/>
                 <a:cs typeface="Helvetica Neue"/>
@@ -3325,22 +3542,21 @@
           </a:lstStyle>
           <a:p>
             <a:r>
-              <a:rPr dirty="0"/>
-              <a:t>experience</a:t>
+              <a:t>Professional Experience</a:t>
             </a:r>
           </a:p>
         </p:txBody>
       </p:sp>
       <p:sp>
         <p:nvSpPr>
-          <p:cNvPr id="309" name="job title here"/>
+          <p:cNvPr id="123" name="Senior Associate Lawyer"/>
           <p:cNvSpPr txBox="1"/>
           <p:nvPr/>
         </p:nvSpPr>
         <p:spPr>
           <a:xfrm>
-            <a:off x="3074288" y="4638576"/>
-            <a:ext cx="2465645" cy="164369"/>
+            <a:off x="3173611" y="4620694"/>
+            <a:ext cx="2465645" cy="164368"/>
           </a:xfrm>
           <a:prstGeom prst="rect">
             <a:avLst/>
@@ -3362,6 +3578,9 @@
                 <a:spcPct val="120000"/>
               </a:lnSpc>
               <a:defRPr sz="900" b="1" cap="all" spc="45">
+                <a:solidFill>
+                  <a:srgbClr val="1D3557"/>
+                </a:solidFill>
                 <a:latin typeface="Helvetica Neue"/>
                 <a:ea typeface="Helvetica Neue"/>
                 <a:cs typeface="Helvetica Neue"/>
@@ -3371,21 +3590,21 @@
           </a:lstStyle>
           <a:p>
             <a:r>
-              <a:t>job title here</a:t>
+              <a:t>Senior Associate Lawyer</a:t>
             </a:r>
           </a:p>
         </p:txBody>
       </p:sp>
       <p:sp>
         <p:nvSpPr>
-          <p:cNvPr id="310" name="Company | 2018-2020 | LOCATION"/>
+          <p:cNvPr id="124" name="Company Name | Location | Dates of Employment"/>
           <p:cNvSpPr txBox="1"/>
           <p:nvPr/>
         </p:nvSpPr>
         <p:spPr>
           <a:xfrm>
-            <a:off x="3074288" y="4855853"/>
-            <a:ext cx="2465645" cy="164368"/>
+            <a:off x="3178696" y="4808487"/>
+            <a:ext cx="4370436" cy="217944"/>
           </a:xfrm>
           <a:prstGeom prst="rect">
             <a:avLst/>
@@ -3407,6 +3626,9 @@
                 <a:spcPct val="120000"/>
               </a:lnSpc>
               <a:defRPr sz="900" cap="all">
+                <a:solidFill>
+                  <a:srgbClr val="333333"/>
+                </a:solidFill>
                 <a:latin typeface="Helvetica Neue"/>
                 <a:ea typeface="Helvetica Neue"/>
                 <a:cs typeface="Helvetica Neue"/>
@@ -3416,21 +3638,21 @@
           </a:lstStyle>
           <a:p>
             <a:r>
-              <a:t>Company | 2018-2020 | LOCATION</a:t>
+              <a:t>Company Name | Location | Dates of Employment</a:t>
             </a:r>
           </a:p>
         </p:txBody>
       </p:sp>
       <p:sp>
         <p:nvSpPr>
-          <p:cNvPr id="311" name="References"/>
+          <p:cNvPr id="125" name="References"/>
           <p:cNvSpPr txBox="1"/>
           <p:nvPr/>
         </p:nvSpPr>
         <p:spPr>
           <a:xfrm>
-            <a:off x="3026339" y="7723161"/>
-            <a:ext cx="3344623" cy="447382"/>
+            <a:off x="3089839" y="8453421"/>
+            <a:ext cx="3344623" cy="447383"/>
           </a:xfrm>
           <a:prstGeom prst="rect">
             <a:avLst/>
@@ -3449,6 +3671,9 @@
           <a:lstStyle>
             <a:lvl1pPr defTabSz="457200">
               <a:defRPr sz="1300" cap="all" spc="156">
+                <a:solidFill>
+                  <a:srgbClr val="8B4513"/>
+                </a:solidFill>
                 <a:latin typeface="Helvetica Neue"/>
                 <a:ea typeface="Helvetica Neue"/>
                 <a:cs typeface="Helvetica Neue"/>
@@ -3465,14 +3690,14 @@
       </p:sp>
       <p:sp>
         <p:nvSpPr>
-          <p:cNvPr id="312" name="Contacts"/>
+          <p:cNvPr id="126" name="Contacts"/>
           <p:cNvSpPr txBox="1"/>
           <p:nvPr/>
         </p:nvSpPr>
         <p:spPr>
           <a:xfrm>
-            <a:off x="714450" y="2094059"/>
-            <a:ext cx="2298662" cy="447383"/>
+            <a:off x="682130" y="2065607"/>
+            <a:ext cx="2081622" cy="447383"/>
           </a:xfrm>
           <a:prstGeom prst="rect">
             <a:avLst/>
@@ -3491,6 +3716,9 @@
           <a:lstStyle>
             <a:lvl1pPr defTabSz="457200">
               <a:defRPr sz="1300" cap="all" spc="455">
+                <a:solidFill>
+                  <a:srgbClr val="1E3A5F"/>
+                </a:solidFill>
                 <a:latin typeface="Helvetica Neue"/>
                 <a:ea typeface="Helvetica Neue"/>
                 <a:cs typeface="Helvetica Neue"/>
@@ -3507,27 +3735,27 @@
       </p:sp>
       <p:grpSp>
         <p:nvGrpSpPr>
-          <p:cNvPr id="322" name="Сгруппировать"/>
+          <p:cNvPr id="134" name="Group"/>
           <p:cNvGrpSpPr/>
           <p:nvPr/>
         </p:nvGrpSpPr>
         <p:grpSpPr>
           <a:xfrm>
-            <a:off x="700978" y="2788099"/>
-            <a:ext cx="2114917" cy="1613865"/>
+            <a:off x="643835" y="2582815"/>
+            <a:ext cx="2121267" cy="1220165"/>
             <a:chOff x="0" y="0"/>
-            <a:chExt cx="2114915" cy="1613863"/>
+            <a:chExt cx="2121265" cy="1220163"/>
           </a:xfrm>
         </p:grpSpPr>
         <p:sp>
           <p:nvSpPr>
-            <p:cNvPr id="313" name="778, Area City / Salate"/>
+            <p:cNvPr id="127" name="[Your Address]"/>
             <p:cNvSpPr txBox="1"/>
             <p:nvPr/>
           </p:nvSpPr>
           <p:spPr>
             <a:xfrm>
-              <a:off x="366269" y="1325593"/>
+              <a:off x="366269" y="931893"/>
               <a:ext cx="1525930" cy="288271"/>
             </a:xfrm>
             <a:prstGeom prst="rect">
@@ -3552,6 +3780,9 @@
             <a:lstStyle>
               <a:lvl1pPr defTabSz="457200">
                 <a:defRPr sz="900">
+                  <a:solidFill>
+                    <a:srgbClr val="333333"/>
+                  </a:solidFill>
                   <a:latin typeface="Helvetica Neue"/>
                   <a:ea typeface="Helvetica Neue"/>
                   <a:cs typeface="Helvetica Neue"/>
@@ -3561,20 +3792,20 @@
             </a:lstStyle>
             <a:p>
               <a:r>
-                <a:t>778, Area City / Salate </a:t>
+                <a:t>[Your Address]</a:t>
               </a:r>
             </a:p>
           </p:txBody>
         </p:sp>
         <p:sp>
           <p:nvSpPr>
-            <p:cNvPr id="314" name="+0857 632 645"/>
+            <p:cNvPr id="128" name="[Your Phone Number]"/>
             <p:cNvSpPr txBox="1"/>
             <p:nvPr/>
           </p:nvSpPr>
           <p:spPr>
             <a:xfrm>
-              <a:off x="366269" y="0"/>
+              <a:off x="372619" y="0"/>
               <a:ext cx="1328520" cy="288270"/>
             </a:xfrm>
             <a:prstGeom prst="rect">
@@ -3599,6 +3830,9 @@
             <a:lstStyle>
               <a:lvl1pPr defTabSz="457200">
                 <a:defRPr sz="900">
+                  <a:solidFill>
+                    <a:srgbClr val="333333"/>
+                  </a:solidFill>
                   <a:latin typeface="Helvetica Neue"/>
                   <a:ea typeface="Helvetica Neue"/>
                   <a:cs typeface="Helvetica Neue"/>
@@ -3608,20 +3842,20 @@
             </a:lstStyle>
             <a:p>
               <a:r>
-                <a:t>+0857 632 645</a:t>
+                <a:t>[Your Phone Number]</a:t>
               </a:r>
             </a:p>
           </p:txBody>
         </p:sp>
         <p:sp>
           <p:nvSpPr>
-            <p:cNvPr id="315" name="yourmail@mail.com"/>
+            <p:cNvPr id="129" name="[Your Email]"/>
             <p:cNvSpPr txBox="1"/>
             <p:nvPr/>
           </p:nvSpPr>
           <p:spPr>
             <a:xfrm>
-              <a:off x="366269" y="351362"/>
+              <a:off x="372619" y="351362"/>
               <a:ext cx="1748647" cy="288270"/>
             </a:xfrm>
             <a:prstGeom prst="rect">
@@ -3646,6 +3880,9 @@
             <a:lstStyle>
               <a:lvl1pPr defTabSz="457200">
                 <a:defRPr sz="900">
+                  <a:solidFill>
+                    <a:srgbClr val="333333"/>
+                  </a:solidFill>
                   <a:latin typeface="Helvetica Neue"/>
                   <a:ea typeface="Helvetica Neue"/>
                   <a:cs typeface="Helvetica Neue"/>
@@ -3655,68 +3892,21 @@
             </a:lstStyle>
             <a:p>
               <a:r>
-                <a:t>yourmail@mail.com</a:t>
+                <a:t>[Your Email]</a:t>
               </a:r>
             </a:p>
           </p:txBody>
         </p:sp>
         <p:sp>
           <p:nvSpPr>
-            <p:cNvPr id="316" name="www.website.com"/>
+            <p:cNvPr id="130" name="Country, Zip Postal Code"/>
             <p:cNvSpPr txBox="1"/>
             <p:nvPr/>
           </p:nvSpPr>
           <p:spPr>
             <a:xfrm>
-              <a:off x="366269" y="707665"/>
-              <a:ext cx="1748647" cy="288270"/>
-            </a:xfrm>
-            <a:prstGeom prst="rect">
-              <a:avLst/>
-            </a:prstGeom>
-            <a:noFill/>
-            <a:ln w="12700" cap="flat">
-              <a:noFill/>
-              <a:miter lim="400000"/>
-            </a:ln>
-            <a:effectLst/>
-            <a:extLst>
-              <a:ext uri="{C572A759-6A51-4108-AA02-DFA0A04FC94B}">
-                <ma14:wrappingTextBoxFlag xmlns:ma14="http://schemas.microsoft.com/office/mac/drawingml/2011/main" xmlns:a14="http://schemas.microsoft.com/office/drawing/2010/main" xmlns:m="http://schemas.openxmlformats.org/officeDocument/2006/math" xmlns="" val="1"/>
-              </a:ext>
-            </a:extLst>
-          </p:spPr>
-          <p:txBody>
-            <a:bodyPr wrap="square" lIns="50800" tIns="50800" rIns="50800" bIns="50800" numCol="1" anchor="ctr">
-              <a:noAutofit/>
-            </a:bodyPr>
-            <a:lstStyle>
-              <a:lvl1pPr defTabSz="457200">
-                <a:defRPr sz="900">
-                  <a:latin typeface="Helvetica Neue"/>
-                  <a:ea typeface="Helvetica Neue"/>
-                  <a:cs typeface="Helvetica Neue"/>
-                  <a:sym typeface="Helvetica Neue"/>
-                </a:defRPr>
-              </a:lvl1pPr>
-            </a:lstStyle>
-            <a:p>
-              <a:r>
-                <a:t>www.website.com</a:t>
-              </a:r>
-            </a:p>
-          </p:txBody>
-        </p:sp>
-        <p:sp>
-          <p:nvSpPr>
-            <p:cNvPr id="317" name="Country, Zip Postal Code"/>
-            <p:cNvSpPr txBox="1"/>
-            <p:nvPr/>
-          </p:nvSpPr>
-          <p:spPr>
-            <a:xfrm>
-              <a:off x="366269" y="1097995"/>
-              <a:ext cx="1525930" cy="288270"/>
+              <a:off x="366269" y="732858"/>
+              <a:ext cx="1525930" cy="288271"/>
             </a:xfrm>
             <a:prstGeom prst="rect">
               <a:avLst/>
@@ -3740,6 +3930,9 @@
             <a:lstStyle>
               <a:lvl1pPr defTabSz="457200">
                 <a:defRPr sz="900">
+                  <a:solidFill>
+                    <a:srgbClr val="333333"/>
+                  </a:solidFill>
                   <a:latin typeface="Helvetica Neue"/>
                   <a:ea typeface="Helvetica Neue"/>
                   <a:cs typeface="Helvetica Neue"/>
@@ -3756,7 +3949,7 @@
         </p:sp>
         <p:pic>
           <p:nvPicPr>
-            <p:cNvPr id="318" name="Group 10.png" descr="Group 10.png"/>
+            <p:cNvPr id="131" name="Group 10.png" descr="Group 10.png"/>
             <p:cNvPicPr>
               <a:picLocks noChangeAspect="1"/>
             </p:cNvPicPr>
@@ -3771,7 +3964,7 @@
           </p:blipFill>
           <p:spPr>
             <a:xfrm>
-              <a:off x="25618" y="372246"/>
+              <a:off x="31968" y="372246"/>
               <a:ext cx="275690" cy="275690"/>
             </a:xfrm>
             <a:prstGeom prst="rect">
@@ -3781,12 +3974,18 @@
               <a:noFill/>
               <a:miter lim="400000"/>
             </a:ln>
-            <a:effectLst/>
+            <a:effectLst>
+              <a:outerShdw blurRad="63500" dist="25400" dir="5400000" rotWithShape="0">
+                <a:srgbClr val="000000">
+                  <a:alpha val="50000"/>
+                </a:srgbClr>
+              </a:outerShdw>
+            </a:effectLst>
           </p:spPr>
         </p:pic>
         <p:pic>
           <p:nvPicPr>
-            <p:cNvPr id="319" name="Group 12.png" descr="Group 12.png"/>
+            <p:cNvPr id="132" name="Group 12.png" descr="Group 12.png"/>
             <p:cNvPicPr>
               <a:picLocks noChangeAspect="1"/>
             </p:cNvPicPr>
@@ -3801,8 +4000,8 @@
           </p:blipFill>
           <p:spPr>
             <a:xfrm>
-              <a:off x="0" y="1089893"/>
-              <a:ext cx="317353" cy="317353"/>
+              <a:off x="0" y="724756"/>
+              <a:ext cx="317353" cy="317354"/>
             </a:xfrm>
             <a:prstGeom prst="rect">
               <a:avLst/>
@@ -3811,12 +4010,18 @@
               <a:noFill/>
               <a:miter lim="400000"/>
             </a:ln>
-            <a:effectLst/>
+            <a:effectLst>
+              <a:outerShdw blurRad="63500" dist="25400" dir="5400000" rotWithShape="0">
+                <a:srgbClr val="000000">
+                  <a:alpha val="50000"/>
+                </a:srgbClr>
+              </a:outerShdw>
+            </a:effectLst>
           </p:spPr>
         </p:pic>
         <p:pic>
           <p:nvPicPr>
-            <p:cNvPr id="320" name="Group 13.png" descr="Group 13.png"/>
+            <p:cNvPr id="133" name="Group 13.png" descr="Group 13.png"/>
             <p:cNvPicPr>
               <a:picLocks noChangeAspect="1"/>
             </p:cNvPicPr>
@@ -3831,7 +4036,7 @@
           </p:blipFill>
           <p:spPr>
             <a:xfrm>
-              <a:off x="26454" y="21720"/>
+              <a:off x="32804" y="21720"/>
               <a:ext cx="274017" cy="274017"/>
             </a:xfrm>
             <a:prstGeom prst="rect">
@@ -3841,60 +4046,35 @@
               <a:noFill/>
               <a:miter lim="400000"/>
             </a:ln>
-            <a:effectLst/>
-          </p:spPr>
-        </p:pic>
-        <p:pic>
-          <p:nvPicPr>
-            <p:cNvPr id="321" name="Group 11.png" descr="Group 11.png"/>
-            <p:cNvPicPr>
-              <a:picLocks noChangeAspect="1"/>
-            </p:cNvPicPr>
-            <p:nvPr/>
-          </p:nvPicPr>
-          <p:blipFill>
-            <a:blip r:embed="rId5"/>
-            <a:srcRect/>
-            <a:stretch>
-              <a:fillRect/>
-            </a:stretch>
-          </p:blipFill>
-          <p:spPr>
-            <a:xfrm>
-              <a:off x="583" y="703513"/>
-              <a:ext cx="333706" cy="333707"/>
-            </a:xfrm>
-            <a:prstGeom prst="rect">
-              <a:avLst/>
-            </a:prstGeom>
-            <a:ln w="12700" cap="flat">
-              <a:noFill/>
-              <a:miter lim="400000"/>
-            </a:ln>
-            <a:effectLst/>
+            <a:effectLst>
+              <a:outerShdw blurRad="63500" dist="25400" dir="5400000" rotWithShape="0">
+                <a:srgbClr val="000000">
+                  <a:alpha val="50000"/>
+                </a:srgbClr>
+              </a:outerShdw>
+            </a:effectLst>
           </p:spPr>
         </p:pic>
       </p:grpSp>
       <p:sp>
         <p:nvSpPr>
-          <p:cNvPr id="323" name="Линия"/>
+          <p:cNvPr id="135" name="Line"/>
           <p:cNvSpPr/>
           <p:nvPr/>
         </p:nvSpPr>
         <p:spPr>
           <a:xfrm flipH="1" flipV="1">
-            <a:off x="664040" y="2546038"/>
-            <a:ext cx="2185097" cy="1"/>
+            <a:off x="675470" y="2506639"/>
+            <a:ext cx="5804964" cy="1"/>
           </a:xfrm>
           <a:prstGeom prst="line">
             <a:avLst/>
           </a:prstGeom>
           <a:ln w="12700">
             <a:solidFill>
-              <a:srgbClr val="000000"/>
+              <a:srgbClr val="1E3A5F"/>
             </a:solidFill>
-            <a:miter lim="400000"/>
-            <a:tailEnd type="oval"/>
+            <a:miter/>
           </a:ln>
         </p:spPr>
         <p:txBody>
@@ -3915,14 +4095,14 @@
       </p:sp>
       <p:sp>
         <p:nvSpPr>
-          <p:cNvPr id="324" name="Education"/>
+          <p:cNvPr id="136" name="Education"/>
           <p:cNvSpPr txBox="1"/>
           <p:nvPr/>
         </p:nvSpPr>
         <p:spPr>
           <a:xfrm>
-            <a:off x="714450" y="4738015"/>
-            <a:ext cx="2298662" cy="447382"/>
+            <a:off x="683277" y="4033956"/>
+            <a:ext cx="2016983" cy="447383"/>
           </a:xfrm>
           <a:prstGeom prst="rect">
             <a:avLst/>
@@ -3941,6 +4121,9 @@
           <a:lstStyle>
             <a:lvl1pPr defTabSz="457200">
               <a:defRPr sz="1300" cap="all" spc="455">
+                <a:solidFill>
+                  <a:srgbClr val="1E3A5F"/>
+                </a:solidFill>
                 <a:latin typeface="Helvetica Neue"/>
                 <a:ea typeface="Helvetica Neue"/>
                 <a:cs typeface="Helvetica Neue"/>
@@ -3957,24 +4140,23 @@
       </p:sp>
       <p:sp>
         <p:nvSpPr>
-          <p:cNvPr id="325" name="Линия"/>
+          <p:cNvPr id="137" name="Line"/>
           <p:cNvSpPr/>
           <p:nvPr/>
         </p:nvSpPr>
         <p:spPr>
-          <a:xfrm flipH="1">
-            <a:off x="664040" y="5189993"/>
-            <a:ext cx="2185097" cy="1"/>
+          <a:xfrm flipH="1" flipV="1">
+            <a:off x="593529" y="4422980"/>
+            <a:ext cx="5968846" cy="1"/>
           </a:xfrm>
           <a:prstGeom prst="line">
             <a:avLst/>
           </a:prstGeom>
           <a:ln w="12700">
             <a:solidFill>
-              <a:srgbClr val="000000"/>
+              <a:srgbClr val="1E3A5F"/>
             </a:solidFill>
             <a:miter lim="400000"/>
-            <a:tailEnd type="oval"/>
           </a:ln>
         </p:spPr>
         <p:txBody>
@@ -3995,14 +4177,144 @@
       </p:sp>
       <p:sp>
         <p:nvSpPr>
-          <p:cNvPr id="326" name="Jour degree here"/>
+          <p:cNvPr id="138" name="Law School Name…"/>
           <p:cNvSpPr txBox="1"/>
           <p:nvPr/>
         </p:nvSpPr>
         <p:spPr>
           <a:xfrm>
-            <a:off x="774646" y="5450482"/>
-            <a:ext cx="2465645" cy="164368"/>
+            <a:off x="766179" y="4780236"/>
+            <a:ext cx="1978164" cy="599369"/>
+          </a:xfrm>
+          <a:prstGeom prst="rect">
+            <a:avLst/>
+          </a:prstGeom>
+          <a:ln w="12700">
+            <a:miter lim="400000"/>
+          </a:ln>
+          <a:extLst>
+            <a:ext uri="{C572A759-6A51-4108-AA02-DFA0A04FC94B}">
+              <ma14:wrappingTextBoxFlag xmlns:ma14="http://schemas.microsoft.com/office/mac/drawingml/2011/main" xmlns:a14="http://schemas.microsoft.com/office/drawing/2010/main" xmlns:m="http://schemas.openxmlformats.org/officeDocument/2006/math" xmlns="" val="1"/>
+            </a:ext>
+          </a:extLst>
+        </p:spPr>
+        <p:txBody>
+          <a:bodyPr lIns="0" tIns="0" rIns="0" bIns="0"/>
+          <a:lstStyle/>
+          <a:p>
+            <a:pPr defTabSz="457200">
+              <a:lnSpc>
+                <a:spcPct val="120000"/>
+              </a:lnSpc>
+              <a:defRPr sz="900">
+                <a:solidFill>
+                  <a:srgbClr val="333333"/>
+                </a:solidFill>
+                <a:latin typeface="Helvetica Neue"/>
+                <a:ea typeface="Helvetica Neue"/>
+                <a:cs typeface="Helvetica Neue"/>
+                <a:sym typeface="Helvetica Neue"/>
+              </a:defRPr>
+            </a:pPr>
+            <a:r>
+              <a:t>Law School Name</a:t>
+            </a:r>
+          </a:p>
+          <a:p>
+            <a:pPr defTabSz="457200">
+              <a:lnSpc>
+                <a:spcPct val="120000"/>
+              </a:lnSpc>
+              <a:defRPr sz="900">
+                <a:solidFill>
+                  <a:srgbClr val="333333"/>
+                </a:solidFill>
+                <a:latin typeface="Helvetica Neue"/>
+                <a:ea typeface="Helvetica Neue"/>
+                <a:cs typeface="Helvetica Neue"/>
+                <a:sym typeface="Helvetica Neue"/>
+              </a:defRPr>
+            </a:pPr>
+            <a:r>
+              <a:t>City, State, Year</a:t>
+            </a:r>
+          </a:p>
+          <a:p>
+            <a:pPr defTabSz="457200">
+              <a:lnSpc>
+                <a:spcPct val="120000"/>
+              </a:lnSpc>
+              <a:defRPr sz="900">
+                <a:solidFill>
+                  <a:srgbClr val="333333"/>
+                </a:solidFill>
+                <a:latin typeface="Helvetica Neue"/>
+                <a:ea typeface="Helvetica Neue"/>
+                <a:cs typeface="Helvetica Neue"/>
+                <a:sym typeface="Helvetica Neue"/>
+              </a:defRPr>
+            </a:pPr>
+            <a:r>
+              <a:t>Honors: [If applicable]</a:t>
+            </a:r>
+          </a:p>
+        </p:txBody>
+      </p:sp>
+      <p:sp>
+        <p:nvSpPr>
+          <p:cNvPr id="139" name="Key Skills:"/>
+          <p:cNvSpPr txBox="1"/>
+          <p:nvPr/>
+        </p:nvSpPr>
+        <p:spPr>
+          <a:xfrm>
+            <a:off x="643835" y="8461563"/>
+            <a:ext cx="2121267" cy="447383"/>
+          </a:xfrm>
+          <a:prstGeom prst="rect">
+            <a:avLst/>
+          </a:prstGeom>
+          <a:ln w="12700">
+            <a:miter lim="400000"/>
+          </a:ln>
+          <a:extLst>
+            <a:ext uri="{C572A759-6A51-4108-AA02-DFA0A04FC94B}">
+              <ma14:wrappingTextBoxFlag xmlns:ma14="http://schemas.microsoft.com/office/mac/drawingml/2011/main" xmlns:a14="http://schemas.microsoft.com/office/drawing/2010/main" xmlns:m="http://schemas.openxmlformats.org/officeDocument/2006/math" xmlns="" val="1"/>
+            </a:ext>
+          </a:extLst>
+        </p:spPr>
+        <p:txBody>
+          <a:bodyPr lIns="50800" tIns="50800" rIns="50800" bIns="50800" anchor="ctr"/>
+          <a:lstStyle>
+            <a:lvl1pPr defTabSz="457200">
+              <a:defRPr sz="1300" cap="all" spc="455">
+                <a:solidFill>
+                  <a:srgbClr val="1E3A5F"/>
+                </a:solidFill>
+                <a:latin typeface="Helvetica Neue"/>
+                <a:ea typeface="Helvetica Neue"/>
+                <a:cs typeface="Helvetica Neue"/>
+                <a:sym typeface="Helvetica Neue"/>
+              </a:defRPr>
+            </a:lvl1pPr>
+          </a:lstStyle>
+          <a:p>
+            <a:r>
+              <a:t>Key Skills:</a:t>
+            </a:r>
+          </a:p>
+        </p:txBody>
+      </p:sp>
+      <p:sp>
+        <p:nvSpPr>
+          <p:cNvPr id="140" name="John Doe"/>
+          <p:cNvSpPr txBox="1"/>
+          <p:nvPr/>
+        </p:nvSpPr>
+        <p:spPr>
+          <a:xfrm>
+            <a:off x="3207478" y="8993120"/>
+            <a:ext cx="1899311" cy="164369"/>
           </a:xfrm>
           <a:prstGeom prst="rect">
             <a:avLst/>
@@ -4024,6 +4336,9 @@
                 <a:spcPct val="120000"/>
               </a:lnSpc>
               <a:defRPr sz="900" b="1" cap="all" spc="45">
+                <a:solidFill>
+                  <a:srgbClr val="1D3557"/>
+                </a:solidFill>
                 <a:latin typeface="Helvetica Neue"/>
                 <a:ea typeface="Helvetica Neue"/>
                 <a:cs typeface="Helvetica Neue"/>
@@ -4033,21 +4348,21 @@
           </a:lstStyle>
           <a:p>
             <a:r>
-              <a:t>Jour degree here</a:t>
+              <a:t>John Doe</a:t>
             </a:r>
           </a:p>
         </p:txBody>
       </p:sp>
       <p:sp>
         <p:nvSpPr>
-          <p:cNvPr id="327" name="International University"/>
+          <p:cNvPr id="141" name="Creative Director"/>
           <p:cNvSpPr txBox="1"/>
           <p:nvPr/>
         </p:nvSpPr>
         <p:spPr>
           <a:xfrm>
-            <a:off x="774646" y="5689179"/>
-            <a:ext cx="2465645" cy="164368"/>
+            <a:off x="3207478" y="9163815"/>
+            <a:ext cx="1249795" cy="164368"/>
           </a:xfrm>
           <a:prstGeom prst="rect">
             <a:avLst/>
@@ -4068,31 +4383,86 @@
               <a:lnSpc>
                 <a:spcPct val="120000"/>
               </a:lnSpc>
-              <a:defRPr sz="900">
-                <a:latin typeface="Helvetica Neue"/>
-                <a:ea typeface="Helvetica Neue"/>
-                <a:cs typeface="Helvetica Neue"/>
-                <a:sym typeface="Helvetica Neue"/>
+              <a:defRPr sz="900" cap="all" spc="45">
+                <a:solidFill>
+                  <a:srgbClr val="333333"/>
+                </a:solidFill>
+                <a:latin typeface="Helvetica Neue Light"/>
+                <a:ea typeface="Helvetica Neue Light"/>
+                <a:cs typeface="Helvetica Neue Light"/>
+                <a:sym typeface="Helvetica Neue Light"/>
               </a:defRPr>
             </a:lvl1pPr>
           </a:lstStyle>
           <a:p>
             <a:r>
-              <a:t>International University</a:t>
+              <a:t>Creative Director</a:t>
             </a:r>
           </a:p>
         </p:txBody>
       </p:sp>
       <p:sp>
         <p:nvSpPr>
-          <p:cNvPr id="328" name="2011-2016"/>
+          <p:cNvPr id="142" name="XYZ Agency"/>
           <p:cNvSpPr txBox="1"/>
           <p:nvPr/>
         </p:nvSpPr>
         <p:spPr>
           <a:xfrm>
-            <a:off x="774646" y="5892020"/>
-            <a:ext cx="2465645" cy="164368"/>
+            <a:off x="3207478" y="9362830"/>
+            <a:ext cx="2092603" cy="164368"/>
+          </a:xfrm>
+          <a:prstGeom prst="rect">
+            <a:avLst/>
+          </a:prstGeom>
+          <a:ln w="12700">
+            <a:miter lim="400000"/>
+          </a:ln>
+          <a:extLst>
+            <a:ext uri="{C572A759-6A51-4108-AA02-DFA0A04FC94B}">
+              <ma14:wrappingTextBoxFlag xmlns:ma14="http://schemas.microsoft.com/office/mac/drawingml/2011/main" xmlns:a14="http://schemas.microsoft.com/office/drawing/2010/main" xmlns:m="http://schemas.openxmlformats.org/officeDocument/2006/math" xmlns="" val="1"/>
+            </a:ext>
+          </a:extLst>
+        </p:spPr>
+        <p:txBody>
+          <a:bodyPr lIns="0" tIns="0" rIns="0" bIns="0"/>
+          <a:lstStyle/>
+          <a:p>
+            <a:pPr defTabSz="457200">
+              <a:lnSpc>
+                <a:spcPct val="120000"/>
+              </a:lnSpc>
+              <a:defRPr sz="700" cap="all" spc="35">
+                <a:latin typeface="Helvetica Neue Light"/>
+                <a:ea typeface="Helvetica Neue Light"/>
+                <a:cs typeface="Helvetica Neue Light"/>
+                <a:sym typeface="Helvetica Neue Light"/>
+              </a:defRPr>
+            </a:pPr>
+            <a:r>
+              <a:t>XYZ </a:t>
+            </a:r>
+            <a:r>
+              <a:rPr>
+                <a:solidFill>
+                  <a:srgbClr val="333333"/>
+                </a:solidFill>
+              </a:rPr>
+              <a:t>Agency</a:t>
+            </a:r>
+          </a:p>
+        </p:txBody>
+      </p:sp>
+      <p:sp>
+        <p:nvSpPr>
+          <p:cNvPr id="143" name="johndoe@xyzagency.com"/>
+          <p:cNvSpPr txBox="1"/>
+          <p:nvPr/>
+        </p:nvSpPr>
+        <p:spPr>
+          <a:xfrm>
+            <a:off x="3207478" y="9513969"/>
+            <a:ext cx="1782185" cy="127658"/>
           </a:xfrm>
           <a:prstGeom prst="rect">
             <a:avLst/>
@@ -4113,31 +4483,89 @@
               <a:lnSpc>
                 <a:spcPct val="120000"/>
               </a:lnSpc>
-              <a:defRPr sz="900">
-                <a:latin typeface="Helvetica Neue"/>
-                <a:ea typeface="Helvetica Neue"/>
-                <a:cs typeface="Helvetica Neue"/>
-                <a:sym typeface="Helvetica Neue"/>
+              <a:defRPr sz="800" spc="40">
+                <a:solidFill>
+                  <a:srgbClr val="333333"/>
+                </a:solidFill>
+                <a:latin typeface="Helvetica Neue Light"/>
+                <a:ea typeface="Helvetica Neue Light"/>
+                <a:cs typeface="Helvetica Neue Light"/>
+                <a:sym typeface="Helvetica Neue Light"/>
               </a:defRPr>
             </a:lvl1pPr>
           </a:lstStyle>
           <a:p>
             <a:r>
-              <a:t>2011-2016</a:t>
+              <a:t>johndoe@xyzagency.com</a:t>
             </a:r>
           </a:p>
         </p:txBody>
       </p:sp>
       <p:sp>
         <p:nvSpPr>
-          <p:cNvPr id="329" name="Jour degree here"/>
+          <p:cNvPr id="144" name="+1234 567 890"/>
           <p:cNvSpPr txBox="1"/>
           <p:nvPr/>
         </p:nvSpPr>
         <p:spPr>
           <a:xfrm>
-            <a:off x="774646" y="6332308"/>
-            <a:ext cx="2465645" cy="164368"/>
+            <a:off x="3207478" y="9684290"/>
+            <a:ext cx="1782185" cy="127658"/>
+          </a:xfrm>
+          <a:prstGeom prst="rect">
+            <a:avLst/>
+          </a:prstGeom>
+          <a:ln w="12700">
+            <a:miter lim="400000"/>
+          </a:ln>
+          <a:extLst>
+            <a:ext uri="{C572A759-6A51-4108-AA02-DFA0A04FC94B}">
+              <ma14:wrappingTextBoxFlag xmlns:ma14="http://schemas.microsoft.com/office/mac/drawingml/2011/main" xmlns:a14="http://schemas.microsoft.com/office/drawing/2010/main" xmlns:m="http://schemas.openxmlformats.org/officeDocument/2006/math" xmlns="" val="1"/>
+            </a:ext>
+          </a:extLst>
+        </p:spPr>
+        <p:txBody>
+          <a:bodyPr lIns="0" tIns="0" rIns="0" bIns="0"/>
+          <a:lstStyle/>
+          <a:p>
+            <a:pPr defTabSz="457200">
+              <a:lnSpc>
+                <a:spcPct val="120000"/>
+              </a:lnSpc>
+              <a:defRPr sz="800" spc="40">
+                <a:latin typeface="Helvetica Neue Light"/>
+                <a:ea typeface="Helvetica Neue Light"/>
+                <a:cs typeface="Helvetica Neue Light"/>
+                <a:sym typeface="Helvetica Neue Light"/>
+              </a:defRPr>
+            </a:pPr>
+            <a:r>
+              <a:t>+1234 </a:t>
+            </a:r>
+            <a:r>
+              <a:rPr>
+                <a:solidFill>
+                  <a:srgbClr val="333333"/>
+                </a:solidFill>
+              </a:rPr>
+              <a:t>567</a:t>
+            </a:r>
+            <a:r>
+              <a:t> 890</a:t>
+            </a:r>
+          </a:p>
+        </p:txBody>
+      </p:sp>
+      <p:sp>
+        <p:nvSpPr>
+          <p:cNvPr id="145" name="Juris Doctor (J.D.)"/>
+          <p:cNvSpPr txBox="1"/>
+          <p:nvPr/>
+        </p:nvSpPr>
+        <p:spPr>
+          <a:xfrm>
+            <a:off x="766179" y="4602570"/>
+            <a:ext cx="1978164" cy="164368"/>
           </a:xfrm>
           <a:prstGeom prst="rect">
             <a:avLst/>
@@ -4159,6 +4587,9 @@
                 <a:spcPct val="120000"/>
               </a:lnSpc>
               <a:defRPr sz="900" b="1" cap="all" spc="45">
+                <a:solidFill>
+                  <a:srgbClr val="1D3557"/>
+                </a:solidFill>
                 <a:latin typeface="Helvetica Neue"/>
                 <a:ea typeface="Helvetica Neue"/>
                 <a:cs typeface="Helvetica Neue"/>
@@ -4168,21 +4599,21 @@
           </a:lstStyle>
           <a:p>
             <a:r>
-              <a:t>Jour degree here</a:t>
+              <a:t>Juris Doctor (J.D.)</a:t>
             </a:r>
           </a:p>
         </p:txBody>
       </p:sp>
       <p:sp>
         <p:nvSpPr>
-          <p:cNvPr id="330" name="International University"/>
+          <p:cNvPr id="146" name="Contract Law Expertise…"/>
           <p:cNvSpPr txBox="1"/>
           <p:nvPr/>
         </p:nvSpPr>
         <p:spPr>
           <a:xfrm>
-            <a:off x="774646" y="6571005"/>
-            <a:ext cx="2465645" cy="164368"/>
+            <a:off x="653187" y="8974477"/>
+            <a:ext cx="2204148" cy="1540195"/>
           </a:xfrm>
           <a:prstGeom prst="rect">
             <a:avLst/>
@@ -4198,133 +4629,217 @@
         </p:spPr>
         <p:txBody>
           <a:bodyPr lIns="0" tIns="0" rIns="0" bIns="0"/>
-          <a:lstStyle>
-            <a:lvl1pPr defTabSz="457200">
+          <a:lstStyle/>
+          <a:p>
+            <a:pPr marL="90236" indent="-90236" defTabSz="457200">
               <a:lnSpc>
                 <a:spcPct val="120000"/>
               </a:lnSpc>
+              <a:buSzPct val="100000"/>
+              <a:buChar char="•"/>
               <a:defRPr sz="900">
-                <a:latin typeface="Helvetica Neue"/>
-                <a:ea typeface="Helvetica Neue"/>
-                <a:cs typeface="Helvetica Neue"/>
-                <a:sym typeface="Helvetica Neue"/>
+                <a:solidFill>
+                  <a:srgbClr val="333333"/>
+                </a:solidFill>
+                <a:latin typeface="Helvetica Neue Medium"/>
+                <a:ea typeface="Helvetica Neue Medium"/>
+                <a:cs typeface="Helvetica Neue Medium"/>
+                <a:sym typeface="Helvetica Neue Medium"/>
               </a:defRPr>
-            </a:lvl1pPr>
-          </a:lstStyle>
-          <a:p>
-            <a:r>
-              <a:t>International University</a:t>
+            </a:pPr>
+            <a:r>
+              <a:t>Contract Law Expertise</a:t>
+            </a:r>
+          </a:p>
+          <a:p>
+            <a:pPr marL="90236" indent="-90236" defTabSz="457200">
+              <a:lnSpc>
+                <a:spcPct val="120000"/>
+              </a:lnSpc>
+              <a:buSzPct val="100000"/>
+              <a:buChar char="•"/>
+              <a:defRPr sz="900">
+                <a:solidFill>
+                  <a:srgbClr val="333333"/>
+                </a:solidFill>
+                <a:latin typeface="Helvetica Neue Medium"/>
+                <a:ea typeface="Helvetica Neue Medium"/>
+                <a:cs typeface="Helvetica Neue Medium"/>
+                <a:sym typeface="Helvetica Neue Medium"/>
+              </a:defRPr>
+            </a:pPr>
+            <a:r>
+              <a:t>Litigation and Dispute Resolution</a:t>
+            </a:r>
+          </a:p>
+          <a:p>
+            <a:pPr marL="90236" indent="-90236" defTabSz="457200">
+              <a:lnSpc>
+                <a:spcPct val="120000"/>
+              </a:lnSpc>
+              <a:buSzPct val="100000"/>
+              <a:buChar char="•"/>
+              <a:defRPr sz="900">
+                <a:solidFill>
+                  <a:srgbClr val="333333"/>
+                </a:solidFill>
+                <a:latin typeface="Helvetica Neue Medium"/>
+                <a:ea typeface="Helvetica Neue Medium"/>
+                <a:cs typeface="Helvetica Neue Medium"/>
+                <a:sym typeface="Helvetica Neue Medium"/>
+              </a:defRPr>
+            </a:pPr>
+            <a:r>
+              <a:t>Legal Research and Analysis</a:t>
+            </a:r>
+          </a:p>
+          <a:p>
+            <a:pPr marL="90236" indent="-90236" defTabSz="457200">
+              <a:lnSpc>
+                <a:spcPct val="120000"/>
+              </a:lnSpc>
+              <a:buSzPct val="100000"/>
+              <a:buChar char="•"/>
+              <a:defRPr sz="900">
+                <a:solidFill>
+                  <a:srgbClr val="333333"/>
+                </a:solidFill>
+                <a:latin typeface="Helvetica Neue Medium"/>
+                <a:ea typeface="Helvetica Neue Medium"/>
+                <a:cs typeface="Helvetica Neue Medium"/>
+                <a:sym typeface="Helvetica Neue Medium"/>
+              </a:defRPr>
+            </a:pPr>
+            <a:r>
+              <a:t>Client Advocacy and Representation</a:t>
+            </a:r>
+          </a:p>
+          <a:p>
+            <a:pPr marL="90236" indent="-90236" defTabSz="457200">
+              <a:lnSpc>
+                <a:spcPct val="120000"/>
+              </a:lnSpc>
+              <a:buSzPct val="100000"/>
+              <a:buChar char="•"/>
+              <a:defRPr sz="900">
+                <a:solidFill>
+                  <a:srgbClr val="333333"/>
+                </a:solidFill>
+                <a:latin typeface="Helvetica Neue Medium"/>
+                <a:ea typeface="Helvetica Neue Medium"/>
+                <a:cs typeface="Helvetica Neue Medium"/>
+                <a:sym typeface="Helvetica Neue Medium"/>
+              </a:defRPr>
+            </a:pPr>
+            <a:r>
+              <a:t>Negotiation Skills</a:t>
+            </a:r>
+          </a:p>
+          <a:p>
+            <a:pPr marL="90236" indent="-90236" defTabSz="457200">
+              <a:lnSpc>
+                <a:spcPct val="120000"/>
+              </a:lnSpc>
+              <a:buSzPct val="100000"/>
+              <a:buChar char="•"/>
+              <a:defRPr sz="900">
+                <a:solidFill>
+                  <a:srgbClr val="333333"/>
+                </a:solidFill>
+                <a:latin typeface="Helvetica Neue Medium"/>
+                <a:ea typeface="Helvetica Neue Medium"/>
+                <a:cs typeface="Helvetica Neue Medium"/>
+                <a:sym typeface="Helvetica Neue Medium"/>
+              </a:defRPr>
+            </a:pPr>
+            <a:r>
+              <a:t>Excellent Communication Skills</a:t>
+            </a:r>
+          </a:p>
+          <a:p>
+            <a:pPr marL="90236" indent="-90236" defTabSz="457200">
+              <a:lnSpc>
+                <a:spcPct val="120000"/>
+              </a:lnSpc>
+              <a:buSzPct val="100000"/>
+              <a:buChar char="•"/>
+              <a:defRPr sz="900">
+                <a:solidFill>
+                  <a:srgbClr val="333333"/>
+                </a:solidFill>
+                <a:latin typeface="Helvetica Neue Medium"/>
+                <a:ea typeface="Helvetica Neue Medium"/>
+                <a:cs typeface="Helvetica Neue Medium"/>
+                <a:sym typeface="Helvetica Neue Medium"/>
+              </a:defRPr>
+            </a:pPr>
+            <a:r>
+              <a:t>Case Management</a:t>
+            </a:r>
+          </a:p>
+          <a:p>
+            <a:pPr marL="90236" indent="-90236" defTabSz="457200">
+              <a:lnSpc>
+                <a:spcPct val="120000"/>
+              </a:lnSpc>
+              <a:buSzPct val="100000"/>
+              <a:buChar char="•"/>
+              <a:defRPr sz="900">
+                <a:solidFill>
+                  <a:srgbClr val="333333"/>
+                </a:solidFill>
+                <a:latin typeface="Helvetica Neue Medium"/>
+                <a:ea typeface="Helvetica Neue Medium"/>
+                <a:cs typeface="Helvetica Neue Medium"/>
+                <a:sym typeface="Helvetica Neue Medium"/>
+              </a:defRPr>
+            </a:pPr>
+            <a:r>
+              <a:t>Legal Writing</a:t>
+            </a:r>
+          </a:p>
+          <a:p>
+            <a:pPr marL="90236" indent="-90236" defTabSz="457200">
+              <a:lnSpc>
+                <a:spcPct val="120000"/>
+              </a:lnSpc>
+              <a:buSzPct val="100000"/>
+              <a:buChar char="•"/>
+              <a:defRPr sz="900">
+                <a:solidFill>
+                  <a:srgbClr val="333333"/>
+                </a:solidFill>
+                <a:latin typeface="Helvetica Neue Medium"/>
+                <a:ea typeface="Helvetica Neue Medium"/>
+                <a:cs typeface="Helvetica Neue Medium"/>
+                <a:sym typeface="Helvetica Neue Medium"/>
+              </a:defRPr>
+            </a:pPr>
+            <a:r>
+              <a:t>Regulatory Compliance</a:t>
             </a:r>
           </a:p>
         </p:txBody>
       </p:sp>
       <p:sp>
         <p:nvSpPr>
-          <p:cNvPr id="331" name="2011-2016"/>
-          <p:cNvSpPr txBox="1"/>
-          <p:nvPr/>
-        </p:nvSpPr>
-        <p:spPr>
-          <a:xfrm>
-            <a:off x="774646" y="6773847"/>
-            <a:ext cx="2465645" cy="164369"/>
-          </a:xfrm>
-          <a:prstGeom prst="rect">
-            <a:avLst/>
-          </a:prstGeom>
-          <a:ln w="12700">
-            <a:miter lim="400000"/>
-          </a:ln>
-          <a:extLst>
-            <a:ext uri="{C572A759-6A51-4108-AA02-DFA0A04FC94B}">
-              <ma14:wrappingTextBoxFlag xmlns:ma14="http://schemas.microsoft.com/office/mac/drawingml/2011/main" xmlns:a14="http://schemas.microsoft.com/office/drawing/2010/main" xmlns:m="http://schemas.openxmlformats.org/officeDocument/2006/math" xmlns="" val="1"/>
-            </a:ext>
-          </a:extLst>
-        </p:spPr>
-        <p:txBody>
-          <a:bodyPr lIns="0" tIns="0" rIns="0" bIns="0"/>
-          <a:lstStyle>
-            <a:lvl1pPr defTabSz="457200">
-              <a:lnSpc>
-                <a:spcPct val="120000"/>
-              </a:lnSpc>
-              <a:defRPr sz="900">
-                <a:latin typeface="Helvetica Neue"/>
-                <a:ea typeface="Helvetica Neue"/>
-                <a:cs typeface="Helvetica Neue"/>
-                <a:sym typeface="Helvetica Neue"/>
-              </a:defRPr>
-            </a:lvl1pPr>
-          </a:lstStyle>
-          <a:p>
-            <a:r>
-              <a:t>2011-2016</a:t>
-            </a:r>
-          </a:p>
-        </p:txBody>
-      </p:sp>
-      <p:sp>
-        <p:nvSpPr>
-          <p:cNvPr id="332" name="Skills"/>
-          <p:cNvSpPr txBox="1"/>
-          <p:nvPr/>
-        </p:nvSpPr>
-        <p:spPr>
-          <a:xfrm>
-            <a:off x="714450" y="7197257"/>
-            <a:ext cx="2298662" cy="447383"/>
-          </a:xfrm>
-          <a:prstGeom prst="rect">
-            <a:avLst/>
-          </a:prstGeom>
-          <a:ln w="12700">
-            <a:miter lim="400000"/>
-          </a:ln>
-          <a:extLst>
-            <a:ext uri="{C572A759-6A51-4108-AA02-DFA0A04FC94B}">
-              <ma14:wrappingTextBoxFlag xmlns:ma14="http://schemas.microsoft.com/office/mac/drawingml/2011/main" xmlns:a14="http://schemas.microsoft.com/office/drawing/2010/main" xmlns:m="http://schemas.openxmlformats.org/officeDocument/2006/math" xmlns="" val="1"/>
-            </a:ext>
-          </a:extLst>
-        </p:spPr>
-        <p:txBody>
-          <a:bodyPr lIns="50800" tIns="50800" rIns="50800" bIns="50800" anchor="ctr"/>
-          <a:lstStyle>
-            <a:lvl1pPr defTabSz="457200">
-              <a:defRPr sz="1300" cap="all" spc="455">
-                <a:latin typeface="Helvetica Neue"/>
-                <a:ea typeface="Helvetica Neue"/>
-                <a:cs typeface="Helvetica Neue"/>
-                <a:sym typeface="Helvetica Neue"/>
-              </a:defRPr>
-            </a:lvl1pPr>
-          </a:lstStyle>
-          <a:p>
-            <a:r>
-              <a:t>Skills</a:t>
-            </a:r>
-          </a:p>
-        </p:txBody>
-      </p:sp>
-      <p:sp>
-        <p:nvSpPr>
-          <p:cNvPr id="333" name="Линия"/>
+          <p:cNvPr id="147" name="Line"/>
           <p:cNvSpPr/>
           <p:nvPr/>
         </p:nvSpPr>
         <p:spPr>
-          <a:xfrm flipH="1">
-            <a:off x="664040" y="7649236"/>
-            <a:ext cx="2185097" cy="1"/>
+          <a:xfrm flipH="1" flipV="1">
+            <a:off x="593529" y="8845447"/>
+            <a:ext cx="5968846" cy="1"/>
           </a:xfrm>
           <a:prstGeom prst="line">
             <a:avLst/>
           </a:prstGeom>
           <a:ln w="12700">
             <a:solidFill>
-              <a:srgbClr val="000000"/>
+              <a:srgbClr val="1E3A5F"/>
             </a:solidFill>
             <a:miter lim="400000"/>
-            <a:tailEnd type="oval"/>
           </a:ln>
         </p:spPr>
         <p:txBody>
@@ -4343,16 +4858,115 @@
           </a:p>
         </p:txBody>
       </p:sp>
+      <p:pic>
+        <p:nvPicPr>
+          <p:cNvPr id="148" name="lower.jpeg" descr="lower.jpeg"/>
+          <p:cNvPicPr>
+            <a:picLocks noChangeAspect="1"/>
+          </p:cNvPicPr>
+          <p:nvPr/>
+        </p:nvPicPr>
+        <p:blipFill>
+          <a:blip r:embed="rId5"/>
+          <a:srcRect t="2" r="3" b="1"/>
+          <a:stretch>
+            <a:fillRect/>
+          </a:stretch>
+        </p:blipFill>
+        <p:spPr>
+          <a:xfrm>
+            <a:off x="664325" y="187976"/>
+            <a:ext cx="1518445" cy="1518445"/>
+          </a:xfrm>
+          <a:custGeom>
+            <a:avLst/>
+            <a:gdLst/>
+            <a:ahLst/>
+            <a:cxnLst>
+              <a:cxn ang="0">
+                <a:pos x="wd2" y="hd2"/>
+              </a:cxn>
+              <a:cxn ang="5400000">
+                <a:pos x="wd2" y="hd2"/>
+              </a:cxn>
+              <a:cxn ang="10800000">
+                <a:pos x="wd2" y="hd2"/>
+              </a:cxn>
+              <a:cxn ang="16200000">
+                <a:pos x="wd2" y="hd2"/>
+              </a:cxn>
+            </a:cxnLst>
+            <a:rect l="0" t="0" r="r" b="b"/>
+            <a:pathLst>
+              <a:path w="21600" h="21600" extrusionOk="0">
+                <a:moveTo>
+                  <a:pt x="10343" y="0"/>
+                </a:moveTo>
+                <a:cubicBezTo>
+                  <a:pt x="7733" y="110"/>
+                  <a:pt x="5154" y="1148"/>
+                  <a:pt x="3162" y="3145"/>
+                </a:cubicBezTo>
+                <a:cubicBezTo>
+                  <a:pt x="1053" y="5258"/>
+                  <a:pt x="0" y="8030"/>
+                  <a:pt x="0" y="10800"/>
+                </a:cubicBezTo>
+                <a:cubicBezTo>
+                  <a:pt x="0" y="13570"/>
+                  <a:pt x="1053" y="16337"/>
+                  <a:pt x="3162" y="18450"/>
+                </a:cubicBezTo>
+                <a:cubicBezTo>
+                  <a:pt x="5154" y="20446"/>
+                  <a:pt x="7733" y="21490"/>
+                  <a:pt x="10343" y="21600"/>
+                </a:cubicBezTo>
+                <a:lnTo>
+                  <a:pt x="11257" y="21600"/>
+                </a:lnTo>
+                <a:cubicBezTo>
+                  <a:pt x="13867" y="21490"/>
+                  <a:pt x="16446" y="20446"/>
+                  <a:pt x="18438" y="18450"/>
+                </a:cubicBezTo>
+                <a:cubicBezTo>
+                  <a:pt x="20547" y="16337"/>
+                  <a:pt x="21600" y="13570"/>
+                  <a:pt x="21600" y="10800"/>
+                </a:cubicBezTo>
+                <a:cubicBezTo>
+                  <a:pt x="21600" y="8030"/>
+                  <a:pt x="20547" y="5258"/>
+                  <a:pt x="18438" y="3145"/>
+                </a:cubicBezTo>
+                <a:cubicBezTo>
+                  <a:pt x="16446" y="1148"/>
+                  <a:pt x="13867" y="110"/>
+                  <a:pt x="11257" y="0"/>
+                </a:cubicBezTo>
+                <a:lnTo>
+                  <a:pt x="10343" y="0"/>
+                </a:lnTo>
+                <a:close/>
+              </a:path>
+            </a:pathLst>
+          </a:custGeom>
+          <a:ln w="12700">
+            <a:miter lim="400000"/>
+          </a:ln>
+        </p:spPr>
+      </p:pic>
       <p:sp>
         <p:nvSpPr>
-          <p:cNvPr id="334" name="Digital marketing"/>
+          <p:cNvPr id="149" name="Associate Lawyer"/>
           <p:cNvSpPr txBox="1"/>
           <p:nvPr/>
         </p:nvSpPr>
         <p:spPr>
           <a:xfrm>
-            <a:off x="774646" y="7889069"/>
-            <a:ext cx="2465645" cy="164368"/>
+            <a:off x="3159681" y="6165576"/>
+            <a:ext cx="2465646" cy="164368"/>
           </a:xfrm>
           <a:prstGeom prst="rect">
             <a:avLst/>
@@ -4374,6 +4988,9 @@
                 <a:spcPct val="120000"/>
               </a:lnSpc>
               <a:defRPr sz="900" b="1" cap="all" spc="45">
+                <a:solidFill>
+                  <a:srgbClr val="1D3557"/>
+                </a:solidFill>
                 <a:latin typeface="Helvetica Neue"/>
                 <a:ea typeface="Helvetica Neue"/>
                 <a:cs typeface="Helvetica Neue"/>
@@ -4383,21 +5000,21 @@
           </a:lstStyle>
           <a:p>
             <a:r>
-              <a:t>Digital marketing</a:t>
+              <a:t>Associate Lawyer</a:t>
             </a:r>
           </a:p>
         </p:txBody>
       </p:sp>
       <p:sp>
         <p:nvSpPr>
-          <p:cNvPr id="335" name="Medium"/>
+          <p:cNvPr id="150" name="Company Name | Location | Dates of Employment"/>
           <p:cNvSpPr txBox="1"/>
           <p:nvPr/>
         </p:nvSpPr>
         <p:spPr>
           <a:xfrm>
-            <a:off x="774646" y="8088084"/>
-            <a:ext cx="2465645" cy="164368"/>
+            <a:off x="3159681" y="6361797"/>
+            <a:ext cx="4370437" cy="217943"/>
           </a:xfrm>
           <a:prstGeom prst="rect">
             <a:avLst/>
@@ -4418,7 +5035,10 @@
               <a:lnSpc>
                 <a:spcPct val="120000"/>
               </a:lnSpc>
-              <a:defRPr sz="900">
+              <a:defRPr sz="900" cap="all">
+                <a:solidFill>
+                  <a:srgbClr val="333333"/>
+                </a:solidFill>
                 <a:latin typeface="Helvetica Neue"/>
                 <a:ea typeface="Helvetica Neue"/>
                 <a:cs typeface="Helvetica Neue"/>
@@ -4428,21 +5048,277 @@
           </a:lstStyle>
           <a:p>
             <a:r>
-              <a:t>Medium</a:t>
+              <a:t>Company Name | Location | Dates of Employment</a:t>
             </a:r>
           </a:p>
         </p:txBody>
       </p:sp>
       <p:sp>
         <p:nvSpPr>
-          <p:cNvPr id="336" name="Content marketing"/>
+          <p:cNvPr id="151" name="- Assisted in preparing cases for trial by conducting legal research, drafting pleadings, and interviewing witnesses.…"/>
           <p:cNvSpPr txBox="1"/>
           <p:nvPr/>
         </p:nvSpPr>
         <p:spPr>
           <a:xfrm>
-            <a:off x="774646" y="8332754"/>
-            <a:ext cx="2465645" cy="164368"/>
+            <a:off x="3159681" y="6562533"/>
+            <a:ext cx="4408465" cy="1461961"/>
+          </a:xfrm>
+          <a:prstGeom prst="rect">
+            <a:avLst/>
+          </a:prstGeom>
+          <a:ln w="12700">
+            <a:miter lim="400000"/>
+          </a:ln>
+          <a:extLst>
+            <a:ext uri="{C572A759-6A51-4108-AA02-DFA0A04FC94B}">
+              <ma14:wrappingTextBoxFlag xmlns:ma14="http://schemas.microsoft.com/office/mac/drawingml/2011/main" xmlns:a14="http://schemas.microsoft.com/office/drawing/2010/main" xmlns:m="http://schemas.openxmlformats.org/officeDocument/2006/math" xmlns="" val="1"/>
+            </a:ext>
+          </a:extLst>
+        </p:spPr>
+        <p:txBody>
+          <a:bodyPr lIns="0" tIns="0" rIns="0" bIns="0"/>
+          <a:lstStyle/>
+          <a:p>
+            <a:pPr marL="90236" indent="-90236" algn="just" defTabSz="457200">
+              <a:lnSpc>
+                <a:spcPct val="130000"/>
+              </a:lnSpc>
+              <a:buSzPct val="100000"/>
+              <a:buChar char="•"/>
+              <a:defRPr sz="900">
+                <a:solidFill>
+                  <a:srgbClr val="333333"/>
+                </a:solidFill>
+                <a:latin typeface="Helvetica Neue Light"/>
+                <a:ea typeface="Helvetica Neue Light"/>
+                <a:cs typeface="Helvetica Neue Light"/>
+                <a:sym typeface="Helvetica Neue Light"/>
+              </a:defRPr>
+            </a:pPr>
+            <a:r>
+              <a:t>- Assisted in preparing cases for trial by conducting legal research, drafting pleadings, and interviewing witnesses.</a:t>
+            </a:r>
+          </a:p>
+          <a:p>
+            <a:pPr marL="90236" indent="-90236" algn="just" defTabSz="457200">
+              <a:lnSpc>
+                <a:spcPct val="130000"/>
+              </a:lnSpc>
+              <a:buSzPct val="100000"/>
+              <a:buChar char="•"/>
+              <a:defRPr sz="900">
+                <a:solidFill>
+                  <a:srgbClr val="333333"/>
+                </a:solidFill>
+                <a:latin typeface="Helvetica Neue Light"/>
+                <a:ea typeface="Helvetica Neue Light"/>
+                <a:cs typeface="Helvetica Neue Light"/>
+                <a:sym typeface="Helvetica Neue Light"/>
+              </a:defRPr>
+            </a:pPr>
+            <a:r>
+              <a:t>- Participated in negotiations with opposing counsel to reach settlements and resolve legal disputes.</a:t>
+            </a:r>
+          </a:p>
+          <a:p>
+            <a:pPr marL="90236" indent="-90236" algn="just" defTabSz="457200">
+              <a:lnSpc>
+                <a:spcPct val="130000"/>
+              </a:lnSpc>
+              <a:buSzPct val="100000"/>
+              <a:buChar char="•"/>
+              <a:defRPr sz="900">
+                <a:solidFill>
+                  <a:srgbClr val="333333"/>
+                </a:solidFill>
+                <a:latin typeface="Helvetica Neue Light"/>
+                <a:ea typeface="Helvetica Neue Light"/>
+                <a:cs typeface="Helvetica Neue Light"/>
+                <a:sym typeface="Helvetica Neue Light"/>
+              </a:defRPr>
+            </a:pPr>
+            <a:r>
+              <a:t>- Drafted and reviewed contracts, agreements, and legal documents to protect clients' interests and rights.</a:t>
+            </a:r>
+          </a:p>
+          <a:p>
+            <a:pPr marL="90236" indent="-90236" algn="just" defTabSz="457200">
+              <a:lnSpc>
+                <a:spcPct val="130000"/>
+              </a:lnSpc>
+              <a:buSzPct val="100000"/>
+              <a:buChar char="•"/>
+              <a:defRPr sz="900">
+                <a:solidFill>
+                  <a:srgbClr val="333333"/>
+                </a:solidFill>
+                <a:latin typeface="Helvetica Neue Light"/>
+                <a:ea typeface="Helvetica Neue Light"/>
+                <a:cs typeface="Helvetica Neue Light"/>
+                <a:sym typeface="Helvetica Neue Light"/>
+              </a:defRPr>
+            </a:pPr>
+            <a:r>
+              <a:t>- Represented clients in court hearings and mediations, presenting arguments persuasively and effectively.</a:t>
+            </a:r>
+          </a:p>
+          <a:p>
+            <a:pPr marL="90236" indent="-90236" algn="just" defTabSz="457200">
+              <a:lnSpc>
+                <a:spcPct val="130000"/>
+              </a:lnSpc>
+              <a:buSzPct val="100000"/>
+              <a:buChar char="•"/>
+              <a:defRPr sz="900">
+                <a:solidFill>
+                  <a:srgbClr val="333333"/>
+                </a:solidFill>
+                <a:latin typeface="Helvetica Neue Light"/>
+                <a:ea typeface="Helvetica Neue Light"/>
+                <a:cs typeface="Helvetica Neue Light"/>
+                <a:sym typeface="Helvetica Neue Light"/>
+              </a:defRPr>
+            </a:pPr>
+            <a:r>
+              <a:t>- Collaborated with senior attorneys to develop legal strategies and provide comprehensive legal services to clients.</a:t>
+            </a:r>
+          </a:p>
+          <a:p>
+            <a:pPr algn="just" defTabSz="457200">
+              <a:lnSpc>
+                <a:spcPct val="130000"/>
+              </a:lnSpc>
+              <a:defRPr sz="900">
+                <a:solidFill>
+                  <a:srgbClr val="333333"/>
+                </a:solidFill>
+                <a:latin typeface="Helvetica Neue Light"/>
+                <a:ea typeface="Helvetica Neue Light"/>
+                <a:cs typeface="Helvetica Neue Light"/>
+                <a:sym typeface="Helvetica Neue Light"/>
+              </a:defRPr>
+            </a:pPr>
+            <a:r>
+              <a:t>- Provide legal counsel to clients on a wide range of legal issues, ensuring compliance with relevant laws and regulations.</a:t>
+            </a:r>
+          </a:p>
+          <a:p>
+            <a:pPr algn="just" defTabSz="457200">
+              <a:lnSpc>
+                <a:spcPct val="130000"/>
+              </a:lnSpc>
+              <a:defRPr sz="900">
+                <a:solidFill>
+                  <a:srgbClr val="333333"/>
+                </a:solidFill>
+                <a:latin typeface="Helvetica Neue Light"/>
+                <a:ea typeface="Helvetica Neue Light"/>
+                <a:cs typeface="Helvetica Neue Light"/>
+                <a:sym typeface="Helvetica Neue Light"/>
+              </a:defRPr>
+            </a:pPr>
+            <a:r>
+              <a:t>- Manage a caseload of diverse legal matters, prioritizing tasks and deadlines effectively.</a:t>
+            </a:r>
+          </a:p>
+        </p:txBody>
+      </p:sp>
+      <p:sp>
+        <p:nvSpPr>
+          <p:cNvPr id="152" name="University Name…"/>
+          <p:cNvSpPr txBox="1"/>
+          <p:nvPr/>
+        </p:nvSpPr>
+        <p:spPr>
+          <a:xfrm>
+            <a:off x="766179" y="5796146"/>
+            <a:ext cx="1978164" cy="599369"/>
+          </a:xfrm>
+          <a:prstGeom prst="rect">
+            <a:avLst/>
+          </a:prstGeom>
+          <a:ln w="12700">
+            <a:miter lim="400000"/>
+          </a:ln>
+          <a:extLst>
+            <a:ext uri="{C572A759-6A51-4108-AA02-DFA0A04FC94B}">
+              <ma14:wrappingTextBoxFlag xmlns:ma14="http://schemas.microsoft.com/office/mac/drawingml/2011/main" xmlns:a14="http://schemas.microsoft.com/office/drawing/2010/main" xmlns:m="http://schemas.openxmlformats.org/officeDocument/2006/math" xmlns="" val="1"/>
+            </a:ext>
+          </a:extLst>
+        </p:spPr>
+        <p:txBody>
+          <a:bodyPr lIns="0" tIns="0" rIns="0" bIns="0"/>
+          <a:lstStyle/>
+          <a:p>
+            <a:pPr defTabSz="457200">
+              <a:lnSpc>
+                <a:spcPct val="120000"/>
+              </a:lnSpc>
+              <a:defRPr sz="900">
+                <a:solidFill>
+                  <a:srgbClr val="333333"/>
+                </a:solidFill>
+                <a:latin typeface="Helvetica Neue"/>
+                <a:ea typeface="Helvetica Neue"/>
+                <a:cs typeface="Helvetica Neue"/>
+                <a:sym typeface="Helvetica Neue"/>
+              </a:defRPr>
+            </a:pPr>
+            <a:r>
+              <a:t>University Name</a:t>
+            </a:r>
+          </a:p>
+          <a:p>
+            <a:pPr defTabSz="457200">
+              <a:lnSpc>
+                <a:spcPct val="120000"/>
+              </a:lnSpc>
+              <a:defRPr sz="900">
+                <a:solidFill>
+                  <a:srgbClr val="333333"/>
+                </a:solidFill>
+                <a:latin typeface="Helvetica Neue"/>
+                <a:ea typeface="Helvetica Neue"/>
+                <a:cs typeface="Helvetica Neue"/>
+                <a:sym typeface="Helvetica Neue"/>
+              </a:defRPr>
+            </a:pPr>
+            <a:r>
+              <a:t>City, State, Year</a:t>
+            </a:r>
+          </a:p>
+          <a:p>
+            <a:pPr defTabSz="457200">
+              <a:lnSpc>
+                <a:spcPct val="120000"/>
+              </a:lnSpc>
+              <a:defRPr sz="900">
+                <a:solidFill>
+                  <a:srgbClr val="333333"/>
+                </a:solidFill>
+                <a:latin typeface="Helvetica Neue"/>
+                <a:ea typeface="Helvetica Neue"/>
+                <a:cs typeface="Helvetica Neue"/>
+                <a:sym typeface="Helvetica Neue"/>
+              </a:defRPr>
+            </a:pPr>
+            <a:r>
+              <a:t>Honors: [If applicable]</a:t>
+            </a:r>
+          </a:p>
+        </p:txBody>
+      </p:sp>
+      <p:sp>
+        <p:nvSpPr>
+          <p:cNvPr id="153" name="Bachelor of Arts in Political Science"/>
+          <p:cNvSpPr txBox="1"/>
+          <p:nvPr/>
+        </p:nvSpPr>
+        <p:spPr>
+          <a:xfrm>
+            <a:off x="766179" y="5431958"/>
+            <a:ext cx="1978164" cy="345518"/>
           </a:xfrm>
           <a:prstGeom prst="rect">
             <a:avLst/>
@@ -4464,6 +5340,9 @@
                 <a:spcPct val="120000"/>
               </a:lnSpc>
               <a:defRPr sz="900" b="1" cap="all" spc="45">
+                <a:solidFill>
+                  <a:srgbClr val="1D3557"/>
+                </a:solidFill>
                 <a:latin typeface="Helvetica Neue"/>
                 <a:ea typeface="Helvetica Neue"/>
                 <a:cs typeface="Helvetica Neue"/>
@@ -4473,21 +5352,21 @@
           </a:lstStyle>
           <a:p>
             <a:r>
-              <a:t>Content marketing</a:t>
+              <a:t>Bachelor of Arts in Political Science</a:t>
             </a:r>
           </a:p>
         </p:txBody>
       </p:sp>
       <p:sp>
         <p:nvSpPr>
-          <p:cNvPr id="337" name="High"/>
+          <p:cNvPr id="154" name="Law School Name…"/>
           <p:cNvSpPr txBox="1"/>
           <p:nvPr/>
         </p:nvSpPr>
         <p:spPr>
           <a:xfrm>
-            <a:off x="774646" y="8531768"/>
-            <a:ext cx="2465645" cy="164368"/>
+            <a:off x="766179" y="6592166"/>
+            <a:ext cx="1978164" cy="599369"/>
           </a:xfrm>
           <a:prstGeom prst="rect">
             <a:avLst/>
@@ -4503,36 +5382,76 @@
         </p:spPr>
         <p:txBody>
           <a:bodyPr lIns="0" tIns="0" rIns="0" bIns="0"/>
-          <a:lstStyle>
-            <a:lvl1pPr defTabSz="457200">
+          <a:lstStyle/>
+          <a:p>
+            <a:pPr defTabSz="457200">
               <a:lnSpc>
                 <a:spcPct val="120000"/>
               </a:lnSpc>
               <a:defRPr sz="900">
+                <a:solidFill>
+                  <a:srgbClr val="333333"/>
+                </a:solidFill>
                 <a:latin typeface="Helvetica Neue"/>
                 <a:ea typeface="Helvetica Neue"/>
                 <a:cs typeface="Helvetica Neue"/>
                 <a:sym typeface="Helvetica Neue"/>
               </a:defRPr>
-            </a:lvl1pPr>
-          </a:lstStyle>
-          <a:p>
-            <a:r>
-              <a:t>High</a:t>
+            </a:pPr>
+            <a:r>
+              <a:t>Law School Name</a:t>
+            </a:r>
+          </a:p>
+          <a:p>
+            <a:pPr defTabSz="457200">
+              <a:lnSpc>
+                <a:spcPct val="120000"/>
+              </a:lnSpc>
+              <a:defRPr sz="900">
+                <a:solidFill>
+                  <a:srgbClr val="333333"/>
+                </a:solidFill>
+                <a:latin typeface="Helvetica Neue"/>
+                <a:ea typeface="Helvetica Neue"/>
+                <a:cs typeface="Helvetica Neue"/>
+                <a:sym typeface="Helvetica Neue"/>
+              </a:defRPr>
+            </a:pPr>
+            <a:r>
+              <a:t>City, State, Year</a:t>
+            </a:r>
+          </a:p>
+          <a:p>
+            <a:pPr defTabSz="457200">
+              <a:lnSpc>
+                <a:spcPct val="120000"/>
+              </a:lnSpc>
+              <a:defRPr sz="900">
+                <a:solidFill>
+                  <a:srgbClr val="333333"/>
+                </a:solidFill>
+                <a:latin typeface="Helvetica Neue"/>
+                <a:ea typeface="Helvetica Neue"/>
+                <a:cs typeface="Helvetica Neue"/>
+                <a:sym typeface="Helvetica Neue"/>
+              </a:defRPr>
+            </a:pPr>
+            <a:r>
+              <a:t>Honors: [If applicable]</a:t>
             </a:r>
           </a:p>
         </p:txBody>
       </p:sp>
       <p:sp>
         <p:nvSpPr>
-          <p:cNvPr id="338" name="Social media"/>
+          <p:cNvPr id="155" name="Juris Doctor (J.D.)"/>
           <p:cNvSpPr txBox="1"/>
           <p:nvPr/>
         </p:nvSpPr>
         <p:spPr>
           <a:xfrm>
-            <a:off x="774646" y="8775427"/>
-            <a:ext cx="2465645" cy="164369"/>
+            <a:off x="766179" y="6414500"/>
+            <a:ext cx="1978164" cy="164368"/>
           </a:xfrm>
           <a:prstGeom prst="rect">
             <a:avLst/>
@@ -4554,6 +5473,9 @@
                 <a:spcPct val="120000"/>
               </a:lnSpc>
               <a:defRPr sz="900" b="1" cap="all" spc="45">
+                <a:solidFill>
+                  <a:srgbClr val="1D3557"/>
+                </a:solidFill>
                 <a:latin typeface="Helvetica Neue"/>
                 <a:ea typeface="Helvetica Neue"/>
                 <a:cs typeface="Helvetica Neue"/>
@@ -4563,21 +5485,21 @@
           </a:lstStyle>
           <a:p>
             <a:r>
-              <a:t>Social media</a:t>
+              <a:t>Juris Doctor (J.D.)</a:t>
             </a:r>
           </a:p>
         </p:txBody>
       </p:sp>
       <p:sp>
         <p:nvSpPr>
-          <p:cNvPr id="339" name="Beginner"/>
+          <p:cNvPr id="156" name="Law School Name…"/>
           <p:cNvSpPr txBox="1"/>
           <p:nvPr/>
         </p:nvSpPr>
         <p:spPr>
           <a:xfrm>
-            <a:off x="774646" y="8974442"/>
-            <a:ext cx="2465645" cy="164369"/>
+            <a:off x="766179" y="7406454"/>
+            <a:ext cx="1978164" cy="599369"/>
           </a:xfrm>
           <a:prstGeom prst="rect">
             <a:avLst/>
@@ -4593,116 +5515,76 @@
         </p:spPr>
         <p:txBody>
           <a:bodyPr lIns="0" tIns="0" rIns="0" bIns="0"/>
-          <a:lstStyle>
-            <a:lvl1pPr defTabSz="457200">
+          <a:lstStyle/>
+          <a:p>
+            <a:pPr defTabSz="457200">
               <a:lnSpc>
                 <a:spcPct val="120000"/>
               </a:lnSpc>
               <a:defRPr sz="900">
-                <a:latin typeface="Helvetica Neue"/>
-                <a:ea typeface="Helvetica Neue"/>
-                <a:cs typeface="Helvetica Neue"/>
-                <a:sym typeface="Helvetica Neue"/>
-              </a:defRPr>
-            </a:lvl1pPr>
-          </a:lstStyle>
-          <a:p>
-            <a:r>
-              <a:t>Beginner</a:t>
-            </a:r>
-          </a:p>
-        </p:txBody>
-      </p:sp>
-      <p:sp>
-        <p:nvSpPr>
-          <p:cNvPr id="340" name="Extra skills"/>
-          <p:cNvSpPr txBox="1"/>
-          <p:nvPr/>
-        </p:nvSpPr>
-        <p:spPr>
-          <a:xfrm>
-            <a:off x="714450" y="9359732"/>
-            <a:ext cx="2298662" cy="447383"/>
-          </a:xfrm>
-          <a:prstGeom prst="rect">
-            <a:avLst/>
-          </a:prstGeom>
-          <a:ln w="12700">
-            <a:miter lim="400000"/>
-          </a:ln>
-          <a:extLst>
-            <a:ext uri="{C572A759-6A51-4108-AA02-DFA0A04FC94B}">
-              <ma14:wrappingTextBoxFlag xmlns:ma14="http://schemas.microsoft.com/office/mac/drawingml/2011/main" xmlns:a14="http://schemas.microsoft.com/office/drawing/2010/main" xmlns:m="http://schemas.openxmlformats.org/officeDocument/2006/math" xmlns="" val="1"/>
-            </a:ext>
-          </a:extLst>
-        </p:spPr>
-        <p:txBody>
-          <a:bodyPr lIns="50800" tIns="50800" rIns="50800" bIns="50800" anchor="ctr"/>
-          <a:lstStyle>
-            <a:lvl1pPr defTabSz="457200">
-              <a:defRPr sz="1300" cap="all" spc="455">
-                <a:latin typeface="Helvetica Neue"/>
-                <a:ea typeface="Helvetica Neue"/>
-                <a:cs typeface="Helvetica Neue"/>
-                <a:sym typeface="Helvetica Neue"/>
-              </a:defRPr>
-            </a:lvl1pPr>
-          </a:lstStyle>
-          <a:p>
-            <a:r>
-              <a:t>Extra skills</a:t>
-            </a:r>
-          </a:p>
-        </p:txBody>
-      </p:sp>
-      <p:sp>
-        <p:nvSpPr>
-          <p:cNvPr id="341" name="Линия"/>
-          <p:cNvSpPr/>
-          <p:nvPr/>
-        </p:nvSpPr>
-        <p:spPr>
-          <a:xfrm flipH="1">
-            <a:off x="664040" y="9811711"/>
-            <a:ext cx="2185097" cy="1"/>
-          </a:xfrm>
-          <a:prstGeom prst="line">
-            <a:avLst/>
-          </a:prstGeom>
-          <a:ln w="12700">
-            <a:solidFill>
-              <a:srgbClr val="000000"/>
-            </a:solidFill>
-            <a:miter lim="400000"/>
-            <a:tailEnd type="oval"/>
-          </a:ln>
-        </p:spPr>
-        <p:txBody>
-          <a:bodyPr lIns="50800" tIns="50800" rIns="50800" bIns="50800"/>
-          <a:lstStyle/>
-          <a:p>
-            <a:pPr defTabSz="457200">
-              <a:defRPr sz="1100">
+                <a:solidFill>
+                  <a:srgbClr val="333333"/>
+                </a:solidFill>
                 <a:latin typeface="Helvetica Neue"/>
                 <a:ea typeface="Helvetica Neue"/>
                 <a:cs typeface="Helvetica Neue"/>
                 <a:sym typeface="Helvetica Neue"/>
               </a:defRPr>
             </a:pPr>
-            <a:endParaRPr/>
+            <a:r>
+              <a:t>Law School Name</a:t>
+            </a:r>
+          </a:p>
+          <a:p>
+            <a:pPr defTabSz="457200">
+              <a:lnSpc>
+                <a:spcPct val="120000"/>
+              </a:lnSpc>
+              <a:defRPr sz="900">
+                <a:solidFill>
+                  <a:srgbClr val="333333"/>
+                </a:solidFill>
+                <a:latin typeface="Helvetica Neue"/>
+                <a:ea typeface="Helvetica Neue"/>
+                <a:cs typeface="Helvetica Neue"/>
+                <a:sym typeface="Helvetica Neue"/>
+              </a:defRPr>
+            </a:pPr>
+            <a:r>
+              <a:t>City, State, Year</a:t>
+            </a:r>
+          </a:p>
+          <a:p>
+            <a:pPr defTabSz="457200">
+              <a:lnSpc>
+                <a:spcPct val="120000"/>
+              </a:lnSpc>
+              <a:defRPr sz="900">
+                <a:solidFill>
+                  <a:srgbClr val="333333"/>
+                </a:solidFill>
+                <a:latin typeface="Helvetica Neue"/>
+                <a:ea typeface="Helvetica Neue"/>
+                <a:cs typeface="Helvetica Neue"/>
+                <a:sym typeface="Helvetica Neue"/>
+              </a:defRPr>
+            </a:pPr>
+            <a:r>
+              <a:t>Honors: [If applicable]</a:t>
+            </a:r>
           </a:p>
         </p:txBody>
       </p:sp>
       <p:sp>
         <p:nvSpPr>
-          <p:cNvPr id="342" name="Seo marketing"/>
+          <p:cNvPr id="157" name="Juris Doctor (J.D.)"/>
           <p:cNvSpPr txBox="1"/>
           <p:nvPr/>
         </p:nvSpPr>
         <p:spPr>
           <a:xfrm>
-            <a:off x="774646" y="10051545"/>
-            <a:ext cx="1604091" cy="164368"/>
+            <a:off x="766179" y="7228788"/>
+            <a:ext cx="1978164" cy="164369"/>
           </a:xfrm>
           <a:prstGeom prst="rect">
             <a:avLst/>
@@ -4724,6 +5606,9 @@
                 <a:spcPct val="120000"/>
               </a:lnSpc>
               <a:defRPr sz="900" b="1" cap="all" spc="45">
+                <a:solidFill>
+                  <a:srgbClr val="1D3557"/>
+                </a:solidFill>
                 <a:latin typeface="Helvetica Neue"/>
                 <a:ea typeface="Helvetica Neue"/>
                 <a:cs typeface="Helvetica Neue"/>
@@ -4733,1087 +5618,7 @@
           </a:lstStyle>
           <a:p>
             <a:r>
-              <a:t>Seo marketing</a:t>
-            </a:r>
-          </a:p>
-        </p:txBody>
-      </p:sp>
-      <p:sp>
-        <p:nvSpPr>
-          <p:cNvPr id="343" name="Adobe ill"/>
-          <p:cNvSpPr txBox="1"/>
-          <p:nvPr/>
-        </p:nvSpPr>
-        <p:spPr>
-          <a:xfrm>
-            <a:off x="774646" y="10295705"/>
-            <a:ext cx="1604091" cy="164368"/>
-          </a:xfrm>
-          <a:prstGeom prst="rect">
-            <a:avLst/>
-          </a:prstGeom>
-          <a:ln w="12700">
-            <a:miter lim="400000"/>
-          </a:ln>
-          <a:extLst>
-            <a:ext uri="{C572A759-6A51-4108-AA02-DFA0A04FC94B}">
-              <ma14:wrappingTextBoxFlag xmlns:ma14="http://schemas.microsoft.com/office/mac/drawingml/2011/main" xmlns:a14="http://schemas.microsoft.com/office/drawing/2010/main" xmlns:m="http://schemas.openxmlformats.org/officeDocument/2006/math" xmlns="" val="1"/>
-            </a:ext>
-          </a:extLst>
-        </p:spPr>
-        <p:txBody>
-          <a:bodyPr lIns="0" tIns="0" rIns="0" bIns="0"/>
-          <a:lstStyle>
-            <a:lvl1pPr defTabSz="457200">
-              <a:lnSpc>
-                <a:spcPct val="120000"/>
-              </a:lnSpc>
-              <a:defRPr sz="900" b="1" cap="all" spc="45">
-                <a:latin typeface="Helvetica Neue"/>
-                <a:ea typeface="Helvetica Neue"/>
-                <a:cs typeface="Helvetica Neue"/>
-                <a:sym typeface="Helvetica Neue"/>
-              </a:defRPr>
-            </a:lvl1pPr>
-          </a:lstStyle>
-          <a:p>
-            <a:r>
-              <a:t>Adobe ill</a:t>
-            </a:r>
-          </a:p>
-        </p:txBody>
-      </p:sp>
-      <p:sp>
-        <p:nvSpPr>
-          <p:cNvPr id="344" name="Lorem ipsum dolor sit amet, consectetur adipiscing elit. Aliquam ac bibendum dui. Proin convallis libero id diam porta, facilisis varius velit tempus. Mauris semper, sem sit amet semper porttitor, lectus enim vehicula enim, vel scelerisque metus ligula i"/>
-          <p:cNvSpPr txBox="1"/>
-          <p:nvPr/>
-        </p:nvSpPr>
-        <p:spPr>
-          <a:xfrm>
-            <a:off x="3079248" y="6634860"/>
-            <a:ext cx="4044465" cy="1047445"/>
-          </a:xfrm>
-          <a:prstGeom prst="rect">
-            <a:avLst/>
-          </a:prstGeom>
-          <a:ln w="12700">
-            <a:miter lim="400000"/>
-          </a:ln>
-          <a:extLst>
-            <a:ext uri="{C572A759-6A51-4108-AA02-DFA0A04FC94B}">
-              <ma14:wrappingTextBoxFlag xmlns:ma14="http://schemas.microsoft.com/office/mac/drawingml/2011/main" xmlns:a14="http://schemas.microsoft.com/office/drawing/2010/main" xmlns:m="http://schemas.openxmlformats.org/officeDocument/2006/math" xmlns="" val="1"/>
-            </a:ext>
-          </a:extLst>
-        </p:spPr>
-        <p:txBody>
-          <a:bodyPr lIns="0" tIns="0" rIns="0" bIns="0"/>
-          <a:lstStyle>
-            <a:lvl1pPr algn="just" defTabSz="457200">
-              <a:lnSpc>
-                <a:spcPct val="130000"/>
-              </a:lnSpc>
-              <a:defRPr sz="900">
-                <a:latin typeface="Helvetica Neue Light"/>
-                <a:ea typeface="Helvetica Neue Light"/>
-                <a:cs typeface="Helvetica Neue Light"/>
-                <a:sym typeface="Helvetica Neue Light"/>
-              </a:defRPr>
-            </a:lvl1pPr>
-          </a:lstStyle>
-          <a:p>
-            <a:r>
-              <a:t>Lorem ipsum dolor sit amet, consectetur adipiscing elit. Aliquam ac bibendum dui. Proin convallis libero id diam porta, facilisis varius velit tempus. Mauris semper, sem sit amet semper porttitor, lectus enim vehicula enim, vel scelerisque metus ligula id nibh. Nullam vitae sem fermentum, dignissim dui eget, luctus ex. Proin convallis libero id diam porta, facilisis varius velit tempus.</a:t>
-            </a:r>
-          </a:p>
-        </p:txBody>
-      </p:sp>
-      <p:sp>
-        <p:nvSpPr>
-          <p:cNvPr id="345" name="job title here"/>
-          <p:cNvSpPr txBox="1"/>
-          <p:nvPr/>
-        </p:nvSpPr>
-        <p:spPr>
-          <a:xfrm>
-            <a:off x="3074288" y="6211582"/>
-            <a:ext cx="2465645" cy="164369"/>
-          </a:xfrm>
-          <a:prstGeom prst="rect">
-            <a:avLst/>
-          </a:prstGeom>
-          <a:ln w="12700">
-            <a:miter lim="400000"/>
-          </a:ln>
-          <a:extLst>
-            <a:ext uri="{C572A759-6A51-4108-AA02-DFA0A04FC94B}">
-              <ma14:wrappingTextBoxFlag xmlns:ma14="http://schemas.microsoft.com/office/mac/drawingml/2011/main" xmlns:a14="http://schemas.microsoft.com/office/drawing/2010/main" xmlns:m="http://schemas.openxmlformats.org/officeDocument/2006/math" xmlns="" val="1"/>
-            </a:ext>
-          </a:extLst>
-        </p:spPr>
-        <p:txBody>
-          <a:bodyPr lIns="0" tIns="0" rIns="0" bIns="0"/>
-          <a:lstStyle>
-            <a:lvl1pPr defTabSz="457200">
-              <a:lnSpc>
-                <a:spcPct val="120000"/>
-              </a:lnSpc>
-              <a:defRPr sz="900" b="1" cap="all" spc="45">
-                <a:latin typeface="Helvetica Neue"/>
-                <a:ea typeface="Helvetica Neue"/>
-                <a:cs typeface="Helvetica Neue"/>
-                <a:sym typeface="Helvetica Neue"/>
-              </a:defRPr>
-            </a:lvl1pPr>
-          </a:lstStyle>
-          <a:p>
-            <a:r>
-              <a:t>job title here</a:t>
-            </a:r>
-          </a:p>
-        </p:txBody>
-      </p:sp>
-      <p:sp>
-        <p:nvSpPr>
-          <p:cNvPr id="346" name="Company | 2018-2020 | LOCATION"/>
-          <p:cNvSpPr txBox="1"/>
-          <p:nvPr/>
-        </p:nvSpPr>
-        <p:spPr>
-          <a:xfrm>
-            <a:off x="3074288" y="6428859"/>
-            <a:ext cx="2465645" cy="164368"/>
-          </a:xfrm>
-          <a:prstGeom prst="rect">
-            <a:avLst/>
-          </a:prstGeom>
-          <a:ln w="12700">
-            <a:miter lim="400000"/>
-          </a:ln>
-          <a:extLst>
-            <a:ext uri="{C572A759-6A51-4108-AA02-DFA0A04FC94B}">
-              <ma14:wrappingTextBoxFlag xmlns:ma14="http://schemas.microsoft.com/office/mac/drawingml/2011/main" xmlns:a14="http://schemas.microsoft.com/office/drawing/2010/main" xmlns:m="http://schemas.openxmlformats.org/officeDocument/2006/math" xmlns="" val="1"/>
-            </a:ext>
-          </a:extLst>
-        </p:spPr>
-        <p:txBody>
-          <a:bodyPr lIns="0" tIns="0" rIns="0" bIns="0"/>
-          <a:lstStyle>
-            <a:lvl1pPr defTabSz="457200">
-              <a:lnSpc>
-                <a:spcPct val="120000"/>
-              </a:lnSpc>
-              <a:defRPr sz="900" cap="all">
-                <a:latin typeface="Helvetica Neue"/>
-                <a:ea typeface="Helvetica Neue"/>
-                <a:cs typeface="Helvetica Neue"/>
-                <a:sym typeface="Helvetica Neue"/>
-              </a:defRPr>
-            </a:lvl1pPr>
-          </a:lstStyle>
-          <a:p>
-            <a:r>
-              <a:t>Company | 2018-2020 | LOCATION</a:t>
-            </a:r>
-          </a:p>
-        </p:txBody>
-      </p:sp>
-      <p:sp>
-        <p:nvSpPr>
-          <p:cNvPr id="347" name="Contact name"/>
-          <p:cNvSpPr txBox="1"/>
-          <p:nvPr/>
-        </p:nvSpPr>
-        <p:spPr>
-          <a:xfrm>
-            <a:off x="3079248" y="8207264"/>
-            <a:ext cx="1899311" cy="164368"/>
-          </a:xfrm>
-          <a:prstGeom prst="rect">
-            <a:avLst/>
-          </a:prstGeom>
-          <a:ln w="12700">
-            <a:miter lim="400000"/>
-          </a:ln>
-          <a:extLst>
-            <a:ext uri="{C572A759-6A51-4108-AA02-DFA0A04FC94B}">
-              <ma14:wrappingTextBoxFlag xmlns:ma14="http://schemas.microsoft.com/office/mac/drawingml/2011/main" xmlns:a14="http://schemas.microsoft.com/office/drawing/2010/main" xmlns:m="http://schemas.openxmlformats.org/officeDocument/2006/math" xmlns="" val="1"/>
-            </a:ext>
-          </a:extLst>
-        </p:spPr>
-        <p:txBody>
-          <a:bodyPr lIns="0" tIns="0" rIns="0" bIns="0"/>
-          <a:lstStyle>
-            <a:lvl1pPr defTabSz="457200">
-              <a:lnSpc>
-                <a:spcPct val="120000"/>
-              </a:lnSpc>
-              <a:defRPr sz="900" b="1" cap="all" spc="45">
-                <a:latin typeface="Helvetica Neue"/>
-                <a:ea typeface="Helvetica Neue"/>
-                <a:cs typeface="Helvetica Neue"/>
-                <a:sym typeface="Helvetica Neue"/>
-              </a:defRPr>
-            </a:lvl1pPr>
-          </a:lstStyle>
-          <a:p>
-            <a:r>
-              <a:t>Contact name</a:t>
-            </a:r>
-          </a:p>
-        </p:txBody>
-      </p:sp>
-      <p:sp>
-        <p:nvSpPr>
-          <p:cNvPr id="348" name="Job title"/>
-          <p:cNvSpPr txBox="1"/>
-          <p:nvPr/>
-        </p:nvSpPr>
-        <p:spPr>
-          <a:xfrm>
-            <a:off x="3079248" y="8424540"/>
-            <a:ext cx="1249796" cy="164369"/>
-          </a:xfrm>
-          <a:prstGeom prst="rect">
-            <a:avLst/>
-          </a:prstGeom>
-          <a:ln w="12700">
-            <a:miter lim="400000"/>
-          </a:ln>
-          <a:extLst>
-            <a:ext uri="{C572A759-6A51-4108-AA02-DFA0A04FC94B}">
-              <ma14:wrappingTextBoxFlag xmlns:ma14="http://schemas.microsoft.com/office/mac/drawingml/2011/main" xmlns:a14="http://schemas.microsoft.com/office/drawing/2010/main" xmlns:m="http://schemas.openxmlformats.org/officeDocument/2006/math" xmlns="" val="1"/>
-            </a:ext>
-          </a:extLst>
-        </p:spPr>
-        <p:txBody>
-          <a:bodyPr lIns="0" tIns="0" rIns="0" bIns="0"/>
-          <a:lstStyle>
-            <a:lvl1pPr defTabSz="457200">
-              <a:lnSpc>
-                <a:spcPct val="120000"/>
-              </a:lnSpc>
-              <a:defRPr sz="900" cap="all" spc="45">
-                <a:latin typeface="Helvetica Neue Light"/>
-                <a:ea typeface="Helvetica Neue Light"/>
-                <a:cs typeface="Helvetica Neue Light"/>
-                <a:sym typeface="Helvetica Neue Light"/>
-              </a:defRPr>
-            </a:lvl1pPr>
-          </a:lstStyle>
-          <a:p>
-            <a:r>
-              <a:t>Job title</a:t>
-            </a:r>
-          </a:p>
-        </p:txBody>
-      </p:sp>
-      <p:sp>
-        <p:nvSpPr>
-          <p:cNvPr id="349" name="Company | location"/>
-          <p:cNvSpPr txBox="1"/>
-          <p:nvPr/>
-        </p:nvSpPr>
-        <p:spPr>
-          <a:xfrm>
-            <a:off x="3079248" y="8623555"/>
-            <a:ext cx="2092604" cy="164369"/>
-          </a:xfrm>
-          <a:prstGeom prst="rect">
-            <a:avLst/>
-          </a:prstGeom>
-          <a:ln w="12700">
-            <a:miter lim="400000"/>
-          </a:ln>
-          <a:extLst>
-            <a:ext uri="{C572A759-6A51-4108-AA02-DFA0A04FC94B}">
-              <ma14:wrappingTextBoxFlag xmlns:ma14="http://schemas.microsoft.com/office/mac/drawingml/2011/main" xmlns:a14="http://schemas.microsoft.com/office/drawing/2010/main" xmlns:m="http://schemas.openxmlformats.org/officeDocument/2006/math" xmlns="" val="1"/>
-            </a:ext>
-          </a:extLst>
-        </p:spPr>
-        <p:txBody>
-          <a:bodyPr lIns="0" tIns="0" rIns="0" bIns="0"/>
-          <a:lstStyle>
-            <a:lvl1pPr defTabSz="457200">
-              <a:lnSpc>
-                <a:spcPct val="120000"/>
-              </a:lnSpc>
-              <a:defRPr sz="700" cap="all" spc="35">
-                <a:latin typeface="Helvetica Neue Light"/>
-                <a:ea typeface="Helvetica Neue Light"/>
-                <a:cs typeface="Helvetica Neue Light"/>
-                <a:sym typeface="Helvetica Neue Light"/>
-              </a:defRPr>
-            </a:lvl1pPr>
-          </a:lstStyle>
-          <a:p>
-            <a:r>
-              <a:t>Company | location</a:t>
-            </a:r>
-          </a:p>
-        </p:txBody>
-      </p:sp>
-      <p:sp>
-        <p:nvSpPr>
-          <p:cNvPr id="350" name="contact@mail.com"/>
-          <p:cNvSpPr txBox="1"/>
-          <p:nvPr/>
-        </p:nvSpPr>
-        <p:spPr>
-          <a:xfrm>
-            <a:off x="3079248" y="8774695"/>
-            <a:ext cx="1782186" cy="127658"/>
-          </a:xfrm>
-          <a:prstGeom prst="rect">
-            <a:avLst/>
-          </a:prstGeom>
-          <a:ln w="12700">
-            <a:miter lim="400000"/>
-          </a:ln>
-          <a:extLst>
-            <a:ext uri="{C572A759-6A51-4108-AA02-DFA0A04FC94B}">
-              <ma14:wrappingTextBoxFlag xmlns:ma14="http://schemas.microsoft.com/office/mac/drawingml/2011/main" xmlns:a14="http://schemas.microsoft.com/office/drawing/2010/main" xmlns:m="http://schemas.openxmlformats.org/officeDocument/2006/math" xmlns="" val="1"/>
-            </a:ext>
-          </a:extLst>
-        </p:spPr>
-        <p:txBody>
-          <a:bodyPr lIns="0" tIns="0" rIns="0" bIns="0"/>
-          <a:lstStyle>
-            <a:lvl1pPr defTabSz="457200">
-              <a:lnSpc>
-                <a:spcPct val="120000"/>
-              </a:lnSpc>
-              <a:defRPr sz="800" spc="40">
-                <a:latin typeface="Helvetica Neue Light"/>
-                <a:ea typeface="Helvetica Neue Light"/>
-                <a:cs typeface="Helvetica Neue Light"/>
-                <a:sym typeface="Helvetica Neue Light"/>
-              </a:defRPr>
-            </a:lvl1pPr>
-          </a:lstStyle>
-          <a:p>
-            <a:r>
-              <a:t>contact@mail.com</a:t>
-            </a:r>
-          </a:p>
-        </p:txBody>
-      </p:sp>
-      <p:sp>
-        <p:nvSpPr>
-          <p:cNvPr id="351" name="234-756-783"/>
-          <p:cNvSpPr txBox="1"/>
-          <p:nvPr/>
-        </p:nvSpPr>
-        <p:spPr>
-          <a:xfrm>
-            <a:off x="3079248" y="8945016"/>
-            <a:ext cx="1782186" cy="127658"/>
-          </a:xfrm>
-          <a:prstGeom prst="rect">
-            <a:avLst/>
-          </a:prstGeom>
-          <a:ln w="12700">
-            <a:miter lim="400000"/>
-          </a:ln>
-          <a:extLst>
-            <a:ext uri="{C572A759-6A51-4108-AA02-DFA0A04FC94B}">
-              <ma14:wrappingTextBoxFlag xmlns:ma14="http://schemas.microsoft.com/office/mac/drawingml/2011/main" xmlns:a14="http://schemas.microsoft.com/office/drawing/2010/main" xmlns:m="http://schemas.openxmlformats.org/officeDocument/2006/math" xmlns="" val="1"/>
-            </a:ext>
-          </a:extLst>
-        </p:spPr>
-        <p:txBody>
-          <a:bodyPr lIns="0" tIns="0" rIns="0" bIns="0"/>
-          <a:lstStyle>
-            <a:lvl1pPr defTabSz="457200">
-              <a:lnSpc>
-                <a:spcPct val="120000"/>
-              </a:lnSpc>
-              <a:defRPr sz="800" spc="40">
-                <a:latin typeface="Helvetica Neue Light"/>
-                <a:ea typeface="Helvetica Neue Light"/>
-                <a:cs typeface="Helvetica Neue Light"/>
-                <a:sym typeface="Helvetica Neue Light"/>
-              </a:defRPr>
-            </a:lvl1pPr>
-          </a:lstStyle>
-          <a:p>
-            <a:r>
-              <a:t>234-756-783</a:t>
-            </a:r>
-          </a:p>
-        </p:txBody>
-      </p:sp>
-      <p:sp>
-        <p:nvSpPr>
-          <p:cNvPr id="352" name="Contact name"/>
-          <p:cNvSpPr txBox="1"/>
-          <p:nvPr/>
-        </p:nvSpPr>
-        <p:spPr>
-          <a:xfrm>
-            <a:off x="4861433" y="8207264"/>
-            <a:ext cx="1899311" cy="164368"/>
-          </a:xfrm>
-          <a:prstGeom prst="rect">
-            <a:avLst/>
-          </a:prstGeom>
-          <a:ln w="12700">
-            <a:miter lim="400000"/>
-          </a:ln>
-          <a:extLst>
-            <a:ext uri="{C572A759-6A51-4108-AA02-DFA0A04FC94B}">
-              <ma14:wrappingTextBoxFlag xmlns:ma14="http://schemas.microsoft.com/office/mac/drawingml/2011/main" xmlns:a14="http://schemas.microsoft.com/office/drawing/2010/main" xmlns:m="http://schemas.openxmlformats.org/officeDocument/2006/math" xmlns="" val="1"/>
-            </a:ext>
-          </a:extLst>
-        </p:spPr>
-        <p:txBody>
-          <a:bodyPr lIns="0" tIns="0" rIns="0" bIns="0"/>
-          <a:lstStyle>
-            <a:lvl1pPr defTabSz="457200">
-              <a:lnSpc>
-                <a:spcPct val="120000"/>
-              </a:lnSpc>
-              <a:defRPr sz="900" b="1" cap="all" spc="45">
-                <a:latin typeface="Helvetica Neue"/>
-                <a:ea typeface="Helvetica Neue"/>
-                <a:cs typeface="Helvetica Neue"/>
-                <a:sym typeface="Helvetica Neue"/>
-              </a:defRPr>
-            </a:lvl1pPr>
-          </a:lstStyle>
-          <a:p>
-            <a:r>
-              <a:t>Contact name</a:t>
-            </a:r>
-          </a:p>
-        </p:txBody>
-      </p:sp>
-      <p:sp>
-        <p:nvSpPr>
-          <p:cNvPr id="353" name="Job title"/>
-          <p:cNvSpPr txBox="1"/>
-          <p:nvPr/>
-        </p:nvSpPr>
-        <p:spPr>
-          <a:xfrm>
-            <a:off x="4861433" y="8424540"/>
-            <a:ext cx="1249796" cy="164369"/>
-          </a:xfrm>
-          <a:prstGeom prst="rect">
-            <a:avLst/>
-          </a:prstGeom>
-          <a:ln w="12700">
-            <a:miter lim="400000"/>
-          </a:ln>
-          <a:extLst>
-            <a:ext uri="{C572A759-6A51-4108-AA02-DFA0A04FC94B}">
-              <ma14:wrappingTextBoxFlag xmlns:ma14="http://schemas.microsoft.com/office/mac/drawingml/2011/main" xmlns:a14="http://schemas.microsoft.com/office/drawing/2010/main" xmlns:m="http://schemas.openxmlformats.org/officeDocument/2006/math" xmlns="" val="1"/>
-            </a:ext>
-          </a:extLst>
-        </p:spPr>
-        <p:txBody>
-          <a:bodyPr lIns="0" tIns="0" rIns="0" bIns="0"/>
-          <a:lstStyle>
-            <a:lvl1pPr defTabSz="457200">
-              <a:lnSpc>
-                <a:spcPct val="120000"/>
-              </a:lnSpc>
-              <a:defRPr sz="900" cap="all" spc="45">
-                <a:latin typeface="Helvetica Neue Light"/>
-                <a:ea typeface="Helvetica Neue Light"/>
-                <a:cs typeface="Helvetica Neue Light"/>
-                <a:sym typeface="Helvetica Neue Light"/>
-              </a:defRPr>
-            </a:lvl1pPr>
-          </a:lstStyle>
-          <a:p>
-            <a:r>
-              <a:t>Job title</a:t>
-            </a:r>
-          </a:p>
-        </p:txBody>
-      </p:sp>
-      <p:sp>
-        <p:nvSpPr>
-          <p:cNvPr id="354" name="Company | location"/>
-          <p:cNvSpPr txBox="1"/>
-          <p:nvPr/>
-        </p:nvSpPr>
-        <p:spPr>
-          <a:xfrm>
-            <a:off x="4861433" y="8623555"/>
-            <a:ext cx="2092603" cy="164369"/>
-          </a:xfrm>
-          <a:prstGeom prst="rect">
-            <a:avLst/>
-          </a:prstGeom>
-          <a:ln w="12700">
-            <a:miter lim="400000"/>
-          </a:ln>
-          <a:extLst>
-            <a:ext uri="{C572A759-6A51-4108-AA02-DFA0A04FC94B}">
-              <ma14:wrappingTextBoxFlag xmlns:ma14="http://schemas.microsoft.com/office/mac/drawingml/2011/main" xmlns:a14="http://schemas.microsoft.com/office/drawing/2010/main" xmlns:m="http://schemas.openxmlformats.org/officeDocument/2006/math" xmlns="" val="1"/>
-            </a:ext>
-          </a:extLst>
-        </p:spPr>
-        <p:txBody>
-          <a:bodyPr lIns="0" tIns="0" rIns="0" bIns="0"/>
-          <a:lstStyle>
-            <a:lvl1pPr defTabSz="457200">
-              <a:lnSpc>
-                <a:spcPct val="120000"/>
-              </a:lnSpc>
-              <a:defRPr sz="700" cap="all" spc="35">
-                <a:latin typeface="Helvetica Neue Light"/>
-                <a:ea typeface="Helvetica Neue Light"/>
-                <a:cs typeface="Helvetica Neue Light"/>
-                <a:sym typeface="Helvetica Neue Light"/>
-              </a:defRPr>
-            </a:lvl1pPr>
-          </a:lstStyle>
-          <a:p>
-            <a:r>
-              <a:t>Company | location</a:t>
-            </a:r>
-          </a:p>
-        </p:txBody>
-      </p:sp>
-      <p:sp>
-        <p:nvSpPr>
-          <p:cNvPr id="355" name="contact@mail.com"/>
-          <p:cNvSpPr txBox="1"/>
-          <p:nvPr/>
-        </p:nvSpPr>
-        <p:spPr>
-          <a:xfrm>
-            <a:off x="4861433" y="8774695"/>
-            <a:ext cx="1782186" cy="127658"/>
-          </a:xfrm>
-          <a:prstGeom prst="rect">
-            <a:avLst/>
-          </a:prstGeom>
-          <a:ln w="12700">
-            <a:miter lim="400000"/>
-          </a:ln>
-          <a:extLst>
-            <a:ext uri="{C572A759-6A51-4108-AA02-DFA0A04FC94B}">
-              <ma14:wrappingTextBoxFlag xmlns:ma14="http://schemas.microsoft.com/office/mac/drawingml/2011/main" xmlns:a14="http://schemas.microsoft.com/office/drawing/2010/main" xmlns:m="http://schemas.openxmlformats.org/officeDocument/2006/math" xmlns="" val="1"/>
-            </a:ext>
-          </a:extLst>
-        </p:spPr>
-        <p:txBody>
-          <a:bodyPr lIns="0" tIns="0" rIns="0" bIns="0"/>
-          <a:lstStyle>
-            <a:lvl1pPr defTabSz="457200">
-              <a:lnSpc>
-                <a:spcPct val="120000"/>
-              </a:lnSpc>
-              <a:defRPr sz="800" spc="40">
-                <a:latin typeface="Helvetica Neue Light"/>
-                <a:ea typeface="Helvetica Neue Light"/>
-                <a:cs typeface="Helvetica Neue Light"/>
-                <a:sym typeface="Helvetica Neue Light"/>
-              </a:defRPr>
-            </a:lvl1pPr>
-          </a:lstStyle>
-          <a:p>
-            <a:r>
-              <a:t>contact@mail.com</a:t>
-            </a:r>
-          </a:p>
-        </p:txBody>
-      </p:sp>
-      <p:sp>
-        <p:nvSpPr>
-          <p:cNvPr id="356" name="234-756-783"/>
-          <p:cNvSpPr txBox="1"/>
-          <p:nvPr/>
-        </p:nvSpPr>
-        <p:spPr>
-          <a:xfrm>
-            <a:off x="4861433" y="8945016"/>
-            <a:ext cx="1782186" cy="127658"/>
-          </a:xfrm>
-          <a:prstGeom prst="rect">
-            <a:avLst/>
-          </a:prstGeom>
-          <a:ln w="12700">
-            <a:miter lim="400000"/>
-          </a:ln>
-          <a:extLst>
-            <a:ext uri="{C572A759-6A51-4108-AA02-DFA0A04FC94B}">
-              <ma14:wrappingTextBoxFlag xmlns:ma14="http://schemas.microsoft.com/office/mac/drawingml/2011/main" xmlns:a14="http://schemas.microsoft.com/office/drawing/2010/main" xmlns:m="http://schemas.openxmlformats.org/officeDocument/2006/math" xmlns="" val="1"/>
-            </a:ext>
-          </a:extLst>
-        </p:spPr>
-        <p:txBody>
-          <a:bodyPr lIns="0" tIns="0" rIns="0" bIns="0"/>
-          <a:lstStyle>
-            <a:lvl1pPr defTabSz="457200">
-              <a:lnSpc>
-                <a:spcPct val="120000"/>
-              </a:lnSpc>
-              <a:defRPr sz="800" spc="40">
-                <a:latin typeface="Helvetica Neue Light"/>
-                <a:ea typeface="Helvetica Neue Light"/>
-                <a:cs typeface="Helvetica Neue Light"/>
-                <a:sym typeface="Helvetica Neue Light"/>
-              </a:defRPr>
-            </a:lvl1pPr>
-          </a:lstStyle>
-          <a:p>
-            <a:r>
-              <a:t>234-756-783</a:t>
-            </a:r>
-          </a:p>
-        </p:txBody>
-      </p:sp>
-      <p:sp>
-        <p:nvSpPr>
-          <p:cNvPr id="357" name="Contact name"/>
-          <p:cNvSpPr txBox="1"/>
-          <p:nvPr/>
-        </p:nvSpPr>
-        <p:spPr>
-          <a:xfrm>
-            <a:off x="3079248" y="9267140"/>
-            <a:ext cx="1899311" cy="164368"/>
-          </a:xfrm>
-          <a:prstGeom prst="rect">
-            <a:avLst/>
-          </a:prstGeom>
-          <a:ln w="12700">
-            <a:miter lim="400000"/>
-          </a:ln>
-          <a:extLst>
-            <a:ext uri="{C572A759-6A51-4108-AA02-DFA0A04FC94B}">
-              <ma14:wrappingTextBoxFlag xmlns:ma14="http://schemas.microsoft.com/office/mac/drawingml/2011/main" xmlns:a14="http://schemas.microsoft.com/office/drawing/2010/main" xmlns:m="http://schemas.openxmlformats.org/officeDocument/2006/math" xmlns="" val="1"/>
-            </a:ext>
-          </a:extLst>
-        </p:spPr>
-        <p:txBody>
-          <a:bodyPr lIns="0" tIns="0" rIns="0" bIns="0"/>
-          <a:lstStyle>
-            <a:lvl1pPr defTabSz="457200">
-              <a:lnSpc>
-                <a:spcPct val="120000"/>
-              </a:lnSpc>
-              <a:defRPr sz="900" b="1" cap="all" spc="45">
-                <a:latin typeface="Helvetica Neue"/>
-                <a:ea typeface="Helvetica Neue"/>
-                <a:cs typeface="Helvetica Neue"/>
-                <a:sym typeface="Helvetica Neue"/>
-              </a:defRPr>
-            </a:lvl1pPr>
-          </a:lstStyle>
-          <a:p>
-            <a:r>
-              <a:t>Contact name</a:t>
-            </a:r>
-          </a:p>
-        </p:txBody>
-      </p:sp>
-      <p:sp>
-        <p:nvSpPr>
-          <p:cNvPr id="358" name="Job title"/>
-          <p:cNvSpPr txBox="1"/>
-          <p:nvPr/>
-        </p:nvSpPr>
-        <p:spPr>
-          <a:xfrm>
-            <a:off x="3079248" y="9484417"/>
-            <a:ext cx="1249796" cy="164368"/>
-          </a:xfrm>
-          <a:prstGeom prst="rect">
-            <a:avLst/>
-          </a:prstGeom>
-          <a:ln w="12700">
-            <a:miter lim="400000"/>
-          </a:ln>
-          <a:extLst>
-            <a:ext uri="{C572A759-6A51-4108-AA02-DFA0A04FC94B}">
-              <ma14:wrappingTextBoxFlag xmlns:ma14="http://schemas.microsoft.com/office/mac/drawingml/2011/main" xmlns:a14="http://schemas.microsoft.com/office/drawing/2010/main" xmlns:m="http://schemas.openxmlformats.org/officeDocument/2006/math" xmlns="" val="1"/>
-            </a:ext>
-          </a:extLst>
-        </p:spPr>
-        <p:txBody>
-          <a:bodyPr lIns="0" tIns="0" rIns="0" bIns="0"/>
-          <a:lstStyle>
-            <a:lvl1pPr defTabSz="457200">
-              <a:lnSpc>
-                <a:spcPct val="120000"/>
-              </a:lnSpc>
-              <a:defRPr sz="900" cap="all" spc="45">
-                <a:latin typeface="Helvetica Neue Light"/>
-                <a:ea typeface="Helvetica Neue Light"/>
-                <a:cs typeface="Helvetica Neue Light"/>
-                <a:sym typeface="Helvetica Neue Light"/>
-              </a:defRPr>
-            </a:lvl1pPr>
-          </a:lstStyle>
-          <a:p>
-            <a:r>
-              <a:t>Job title</a:t>
-            </a:r>
-          </a:p>
-        </p:txBody>
-      </p:sp>
-      <p:sp>
-        <p:nvSpPr>
-          <p:cNvPr id="359" name="Company | location"/>
-          <p:cNvSpPr txBox="1"/>
-          <p:nvPr/>
-        </p:nvSpPr>
-        <p:spPr>
-          <a:xfrm>
-            <a:off x="3079248" y="9683432"/>
-            <a:ext cx="2092604" cy="164368"/>
-          </a:xfrm>
-          <a:prstGeom prst="rect">
-            <a:avLst/>
-          </a:prstGeom>
-          <a:ln w="12700">
-            <a:miter lim="400000"/>
-          </a:ln>
-          <a:extLst>
-            <a:ext uri="{C572A759-6A51-4108-AA02-DFA0A04FC94B}">
-              <ma14:wrappingTextBoxFlag xmlns:ma14="http://schemas.microsoft.com/office/mac/drawingml/2011/main" xmlns:a14="http://schemas.microsoft.com/office/drawing/2010/main" xmlns:m="http://schemas.openxmlformats.org/officeDocument/2006/math" xmlns="" val="1"/>
-            </a:ext>
-          </a:extLst>
-        </p:spPr>
-        <p:txBody>
-          <a:bodyPr lIns="0" tIns="0" rIns="0" bIns="0"/>
-          <a:lstStyle>
-            <a:lvl1pPr defTabSz="457200">
-              <a:lnSpc>
-                <a:spcPct val="120000"/>
-              </a:lnSpc>
-              <a:defRPr sz="700" cap="all" spc="35">
-                <a:latin typeface="Helvetica Neue Light"/>
-                <a:ea typeface="Helvetica Neue Light"/>
-                <a:cs typeface="Helvetica Neue Light"/>
-                <a:sym typeface="Helvetica Neue Light"/>
-              </a:defRPr>
-            </a:lvl1pPr>
-          </a:lstStyle>
-          <a:p>
-            <a:r>
-              <a:t>Company | location</a:t>
-            </a:r>
-          </a:p>
-        </p:txBody>
-      </p:sp>
-      <p:sp>
-        <p:nvSpPr>
-          <p:cNvPr id="360" name="contact@mail.com"/>
-          <p:cNvSpPr txBox="1"/>
-          <p:nvPr/>
-        </p:nvSpPr>
-        <p:spPr>
-          <a:xfrm>
-            <a:off x="3079248" y="9834571"/>
-            <a:ext cx="1782186" cy="127659"/>
-          </a:xfrm>
-          <a:prstGeom prst="rect">
-            <a:avLst/>
-          </a:prstGeom>
-          <a:ln w="12700">
-            <a:miter lim="400000"/>
-          </a:ln>
-          <a:extLst>
-            <a:ext uri="{C572A759-6A51-4108-AA02-DFA0A04FC94B}">
-              <ma14:wrappingTextBoxFlag xmlns:ma14="http://schemas.microsoft.com/office/mac/drawingml/2011/main" xmlns:a14="http://schemas.microsoft.com/office/drawing/2010/main" xmlns:m="http://schemas.openxmlformats.org/officeDocument/2006/math" xmlns="" val="1"/>
-            </a:ext>
-          </a:extLst>
-        </p:spPr>
-        <p:txBody>
-          <a:bodyPr lIns="0" tIns="0" rIns="0" bIns="0"/>
-          <a:lstStyle>
-            <a:lvl1pPr defTabSz="457200">
-              <a:lnSpc>
-                <a:spcPct val="120000"/>
-              </a:lnSpc>
-              <a:defRPr sz="800" spc="40">
-                <a:latin typeface="Helvetica Neue Light"/>
-                <a:ea typeface="Helvetica Neue Light"/>
-                <a:cs typeface="Helvetica Neue Light"/>
-                <a:sym typeface="Helvetica Neue Light"/>
-              </a:defRPr>
-            </a:lvl1pPr>
-          </a:lstStyle>
-          <a:p>
-            <a:r>
-              <a:t>contact@mail.com</a:t>
-            </a:r>
-          </a:p>
-        </p:txBody>
-      </p:sp>
-      <p:sp>
-        <p:nvSpPr>
-          <p:cNvPr id="361" name="234-756-783"/>
-          <p:cNvSpPr txBox="1"/>
-          <p:nvPr/>
-        </p:nvSpPr>
-        <p:spPr>
-          <a:xfrm>
-            <a:off x="3079248" y="10004893"/>
-            <a:ext cx="1782186" cy="127658"/>
-          </a:xfrm>
-          <a:prstGeom prst="rect">
-            <a:avLst/>
-          </a:prstGeom>
-          <a:ln w="12700">
-            <a:miter lim="400000"/>
-          </a:ln>
-          <a:extLst>
-            <a:ext uri="{C572A759-6A51-4108-AA02-DFA0A04FC94B}">
-              <ma14:wrappingTextBoxFlag xmlns:ma14="http://schemas.microsoft.com/office/mac/drawingml/2011/main" xmlns:a14="http://schemas.microsoft.com/office/drawing/2010/main" xmlns:m="http://schemas.openxmlformats.org/officeDocument/2006/math" xmlns="" val="1"/>
-            </a:ext>
-          </a:extLst>
-        </p:spPr>
-        <p:txBody>
-          <a:bodyPr lIns="0" tIns="0" rIns="0" bIns="0"/>
-          <a:lstStyle>
-            <a:lvl1pPr defTabSz="457200">
-              <a:lnSpc>
-                <a:spcPct val="120000"/>
-              </a:lnSpc>
-              <a:defRPr sz="800" spc="40">
-                <a:latin typeface="Helvetica Neue Light"/>
-                <a:ea typeface="Helvetica Neue Light"/>
-                <a:cs typeface="Helvetica Neue Light"/>
-                <a:sym typeface="Helvetica Neue Light"/>
-              </a:defRPr>
-            </a:lvl1pPr>
-          </a:lstStyle>
-          <a:p>
-            <a:r>
-              <a:t>234-756-783</a:t>
-            </a:r>
-          </a:p>
-        </p:txBody>
-      </p:sp>
-      <p:sp>
-        <p:nvSpPr>
-          <p:cNvPr id="362" name="Contact name"/>
-          <p:cNvSpPr txBox="1"/>
-          <p:nvPr/>
-        </p:nvSpPr>
-        <p:spPr>
-          <a:xfrm>
-            <a:off x="4861433" y="9267140"/>
-            <a:ext cx="1899311" cy="164368"/>
-          </a:xfrm>
-          <a:prstGeom prst="rect">
-            <a:avLst/>
-          </a:prstGeom>
-          <a:ln w="12700">
-            <a:miter lim="400000"/>
-          </a:ln>
-          <a:extLst>
-            <a:ext uri="{C572A759-6A51-4108-AA02-DFA0A04FC94B}">
-              <ma14:wrappingTextBoxFlag xmlns:ma14="http://schemas.microsoft.com/office/mac/drawingml/2011/main" xmlns:a14="http://schemas.microsoft.com/office/drawing/2010/main" xmlns:m="http://schemas.openxmlformats.org/officeDocument/2006/math" xmlns="" val="1"/>
-            </a:ext>
-          </a:extLst>
-        </p:spPr>
-        <p:txBody>
-          <a:bodyPr lIns="0" tIns="0" rIns="0" bIns="0"/>
-          <a:lstStyle>
-            <a:lvl1pPr defTabSz="457200">
-              <a:lnSpc>
-                <a:spcPct val="120000"/>
-              </a:lnSpc>
-              <a:defRPr sz="900" b="1" cap="all" spc="45">
-                <a:latin typeface="Helvetica Neue"/>
-                <a:ea typeface="Helvetica Neue"/>
-                <a:cs typeface="Helvetica Neue"/>
-                <a:sym typeface="Helvetica Neue"/>
-              </a:defRPr>
-            </a:lvl1pPr>
-          </a:lstStyle>
-          <a:p>
-            <a:r>
-              <a:t>Contact name</a:t>
-            </a:r>
-          </a:p>
-        </p:txBody>
-      </p:sp>
-      <p:sp>
-        <p:nvSpPr>
-          <p:cNvPr id="363" name="Job title"/>
-          <p:cNvSpPr txBox="1"/>
-          <p:nvPr/>
-        </p:nvSpPr>
-        <p:spPr>
-          <a:xfrm>
-            <a:off x="4861433" y="9484417"/>
-            <a:ext cx="1249796" cy="164368"/>
-          </a:xfrm>
-          <a:prstGeom prst="rect">
-            <a:avLst/>
-          </a:prstGeom>
-          <a:ln w="12700">
-            <a:miter lim="400000"/>
-          </a:ln>
-          <a:extLst>
-            <a:ext uri="{C572A759-6A51-4108-AA02-DFA0A04FC94B}">
-              <ma14:wrappingTextBoxFlag xmlns:ma14="http://schemas.microsoft.com/office/mac/drawingml/2011/main" xmlns:a14="http://schemas.microsoft.com/office/drawing/2010/main" xmlns:m="http://schemas.openxmlformats.org/officeDocument/2006/math" xmlns="" val="1"/>
-            </a:ext>
-          </a:extLst>
-        </p:spPr>
-        <p:txBody>
-          <a:bodyPr lIns="0" tIns="0" rIns="0" bIns="0"/>
-          <a:lstStyle>
-            <a:lvl1pPr defTabSz="457200">
-              <a:lnSpc>
-                <a:spcPct val="120000"/>
-              </a:lnSpc>
-              <a:defRPr sz="900" cap="all" spc="45">
-                <a:latin typeface="Helvetica Neue Light"/>
-                <a:ea typeface="Helvetica Neue Light"/>
-                <a:cs typeface="Helvetica Neue Light"/>
-                <a:sym typeface="Helvetica Neue Light"/>
-              </a:defRPr>
-            </a:lvl1pPr>
-          </a:lstStyle>
-          <a:p>
-            <a:r>
-              <a:t>Job title</a:t>
-            </a:r>
-          </a:p>
-        </p:txBody>
-      </p:sp>
-      <p:sp>
-        <p:nvSpPr>
-          <p:cNvPr id="364" name="Company | location"/>
-          <p:cNvSpPr txBox="1"/>
-          <p:nvPr/>
-        </p:nvSpPr>
-        <p:spPr>
-          <a:xfrm>
-            <a:off x="4861433" y="9683432"/>
-            <a:ext cx="2092603" cy="164368"/>
-          </a:xfrm>
-          <a:prstGeom prst="rect">
-            <a:avLst/>
-          </a:prstGeom>
-          <a:ln w="12700">
-            <a:miter lim="400000"/>
-          </a:ln>
-          <a:extLst>
-            <a:ext uri="{C572A759-6A51-4108-AA02-DFA0A04FC94B}">
-              <ma14:wrappingTextBoxFlag xmlns:ma14="http://schemas.microsoft.com/office/mac/drawingml/2011/main" xmlns:a14="http://schemas.microsoft.com/office/drawing/2010/main" xmlns:m="http://schemas.openxmlformats.org/officeDocument/2006/math" xmlns="" val="1"/>
-            </a:ext>
-          </a:extLst>
-        </p:spPr>
-        <p:txBody>
-          <a:bodyPr lIns="0" tIns="0" rIns="0" bIns="0"/>
-          <a:lstStyle>
-            <a:lvl1pPr defTabSz="457200">
-              <a:lnSpc>
-                <a:spcPct val="120000"/>
-              </a:lnSpc>
-              <a:defRPr sz="700" cap="all" spc="35">
-                <a:latin typeface="Helvetica Neue Light"/>
-                <a:ea typeface="Helvetica Neue Light"/>
-                <a:cs typeface="Helvetica Neue Light"/>
-                <a:sym typeface="Helvetica Neue Light"/>
-              </a:defRPr>
-            </a:lvl1pPr>
-          </a:lstStyle>
-          <a:p>
-            <a:r>
-              <a:t>Company | location</a:t>
-            </a:r>
-          </a:p>
-        </p:txBody>
-      </p:sp>
-      <p:sp>
-        <p:nvSpPr>
-          <p:cNvPr id="365" name="contact@mail.com"/>
-          <p:cNvSpPr txBox="1"/>
-          <p:nvPr/>
-        </p:nvSpPr>
-        <p:spPr>
-          <a:xfrm>
-            <a:off x="4861433" y="9834571"/>
-            <a:ext cx="1782186" cy="127659"/>
-          </a:xfrm>
-          <a:prstGeom prst="rect">
-            <a:avLst/>
-          </a:prstGeom>
-          <a:ln w="12700">
-            <a:miter lim="400000"/>
-          </a:ln>
-          <a:extLst>
-            <a:ext uri="{C572A759-6A51-4108-AA02-DFA0A04FC94B}">
-              <ma14:wrappingTextBoxFlag xmlns:ma14="http://schemas.microsoft.com/office/mac/drawingml/2011/main" xmlns:a14="http://schemas.microsoft.com/office/drawing/2010/main" xmlns:m="http://schemas.openxmlformats.org/officeDocument/2006/math" xmlns="" val="1"/>
-            </a:ext>
-          </a:extLst>
-        </p:spPr>
-        <p:txBody>
-          <a:bodyPr lIns="0" tIns="0" rIns="0" bIns="0"/>
-          <a:lstStyle>
-            <a:lvl1pPr defTabSz="457200">
-              <a:lnSpc>
-                <a:spcPct val="120000"/>
-              </a:lnSpc>
-              <a:defRPr sz="800" spc="40">
-                <a:latin typeface="Helvetica Neue Light"/>
-                <a:ea typeface="Helvetica Neue Light"/>
-                <a:cs typeface="Helvetica Neue Light"/>
-                <a:sym typeface="Helvetica Neue Light"/>
-              </a:defRPr>
-            </a:lvl1pPr>
-          </a:lstStyle>
-          <a:p>
-            <a:r>
-              <a:t>contact@mail.com</a:t>
-            </a:r>
-          </a:p>
-        </p:txBody>
-      </p:sp>
-      <p:sp>
-        <p:nvSpPr>
-          <p:cNvPr id="366" name="234-756-783"/>
-          <p:cNvSpPr txBox="1"/>
-          <p:nvPr/>
-        </p:nvSpPr>
-        <p:spPr>
-          <a:xfrm>
-            <a:off x="4861433" y="10004893"/>
-            <a:ext cx="1782186" cy="127658"/>
-          </a:xfrm>
-          <a:prstGeom prst="rect">
-            <a:avLst/>
-          </a:prstGeom>
-          <a:ln w="12700">
-            <a:miter lim="400000"/>
-          </a:ln>
-          <a:extLst>
-            <a:ext uri="{C572A759-6A51-4108-AA02-DFA0A04FC94B}">
-              <ma14:wrappingTextBoxFlag xmlns:ma14="http://schemas.microsoft.com/office/mac/drawingml/2011/main" xmlns:a14="http://schemas.microsoft.com/office/drawing/2010/main" xmlns:m="http://schemas.openxmlformats.org/officeDocument/2006/math" xmlns="" val="1"/>
-            </a:ext>
-          </a:extLst>
-        </p:spPr>
-        <p:txBody>
-          <a:bodyPr lIns="0" tIns="0" rIns="0" bIns="0"/>
-          <a:lstStyle>
-            <a:lvl1pPr defTabSz="457200">
-              <a:lnSpc>
-                <a:spcPct val="120000"/>
-              </a:lnSpc>
-              <a:defRPr sz="800" spc="40">
-                <a:latin typeface="Helvetica Neue Light"/>
-                <a:ea typeface="Helvetica Neue Light"/>
-                <a:cs typeface="Helvetica Neue Light"/>
-                <a:sym typeface="Helvetica Neue Light"/>
-              </a:defRPr>
-            </a:lvl1pPr>
-          </a:lstStyle>
-          <a:p>
-            <a:r>
-              <a:t>234-756-783</a:t>
+              <a:t>Juris Doctor (J.D.)</a:t>
             </a:r>
           </a:p>
         </p:txBody>
